--- a/files/Rules.pptx
+++ b/files/Rules.pptx
@@ -250,7 +250,7 @@
           <a:p>
             <a:fld id="{F5EE77D2-A7A0-440A-9FFE-8D75038282A9}" type="datetimeFigureOut">
               <a:rPr lang="en-GB" smtClean="0"/>
-              <a:t>12/12/2020</a:t>
+              <a:t>14/12/2020</a:t>
             </a:fld>
             <a:endParaRPr lang="en-GB"/>
           </a:p>
@@ -420,7 +420,7 @@
           <a:p>
             <a:fld id="{F5EE77D2-A7A0-440A-9FFE-8D75038282A9}" type="datetimeFigureOut">
               <a:rPr lang="en-GB" smtClean="0"/>
-              <a:t>12/12/2020</a:t>
+              <a:t>14/12/2020</a:t>
             </a:fld>
             <a:endParaRPr lang="en-GB"/>
           </a:p>
@@ -600,7 +600,7 @@
           <a:p>
             <a:fld id="{F5EE77D2-A7A0-440A-9FFE-8D75038282A9}" type="datetimeFigureOut">
               <a:rPr lang="en-GB" smtClean="0"/>
-              <a:t>12/12/2020</a:t>
+              <a:t>14/12/2020</a:t>
             </a:fld>
             <a:endParaRPr lang="en-GB"/>
           </a:p>
@@ -711,7 +711,7 @@
           <a:noFill/>
           <a:extLst>
             <a:ext uri="{909E8E84-426E-40dd-AFC4-6F175D3DCCD1}">
-              <a14:hiddenFill xmlns="" xmlns:a14="http://schemas.microsoft.com/office/drawing/2010/main">
+              <a14:hiddenFill xmlns:a14="http://schemas.microsoft.com/office/drawing/2010/main" xmlns="">
                 <a:solidFill>
                   <a:srgbClr val="FFFFFF"/>
                 </a:solidFill>
@@ -771,7 +771,7 @@
             </a:ln>
             <a:extLst>
               <a:ext uri="{91240B29-F687-4f45-9708-019B960494DF}">
-                <a14:hiddenLine xmlns="" xmlns:a14="http://schemas.microsoft.com/office/drawing/2010/main" w="9525">
+                <a14:hiddenLine xmlns:a14="http://schemas.microsoft.com/office/drawing/2010/main" xmlns="" w="9525">
                   <a:solidFill>
                     <a:srgbClr val="000000"/>
                   </a:solidFill>
@@ -861,7 +861,7 @@
             </a:ln>
             <a:extLst>
               <a:ext uri="{91240B29-F687-4f45-9708-019B960494DF}">
-                <a14:hiddenLine xmlns="" xmlns:a14="http://schemas.microsoft.com/office/drawing/2010/main" w="9525">
+                <a14:hiddenLine xmlns:a14="http://schemas.microsoft.com/office/drawing/2010/main" xmlns="" w="9525">
                   <a:solidFill>
                     <a:srgbClr val="000000"/>
                   </a:solidFill>
@@ -951,7 +951,7 @@
             </a:ln>
             <a:extLst>
               <a:ext uri="{91240B29-F687-4f45-9708-019B960494DF}">
-                <a14:hiddenLine xmlns="" xmlns:a14="http://schemas.microsoft.com/office/drawing/2010/main" w="9525">
+                <a14:hiddenLine xmlns:a14="http://schemas.microsoft.com/office/drawing/2010/main" xmlns="" w="9525">
                   <a:solidFill>
                     <a:srgbClr val="000000"/>
                   </a:solidFill>
@@ -985,7 +985,7 @@
             </a:ln>
             <a:extLst>
               <a:ext uri="{91240B29-F687-4f45-9708-019B960494DF}">
-                <a14:hiddenLine xmlns="" xmlns:a14="http://schemas.microsoft.com/office/drawing/2010/main" w="9525">
+                <a14:hiddenLine xmlns:a14="http://schemas.microsoft.com/office/drawing/2010/main" xmlns="" w="9525">
                   <a:solidFill>
                     <a:srgbClr val="000000"/>
                   </a:solidFill>
@@ -1075,7 +1075,7 @@
             </a:ln>
             <a:extLst>
               <a:ext uri="{91240B29-F687-4f45-9708-019B960494DF}">
-                <a14:hiddenLine xmlns="" xmlns:a14="http://schemas.microsoft.com/office/drawing/2010/main" w="9525">
+                <a14:hiddenLine xmlns:a14="http://schemas.microsoft.com/office/drawing/2010/main" xmlns="" w="9525">
                   <a:solidFill>
                     <a:srgbClr val="000000"/>
                   </a:solidFill>
@@ -1137,7 +1137,7 @@
             </a:ln>
             <a:extLst>
               <a:ext uri="{91240B29-F687-4f45-9708-019B960494DF}">
-                <a14:hiddenLine xmlns="" xmlns:a14="http://schemas.microsoft.com/office/drawing/2010/main" w="9525">
+                <a14:hiddenLine xmlns:a14="http://schemas.microsoft.com/office/drawing/2010/main" xmlns="" w="9525">
                   <a:solidFill>
                     <a:srgbClr val="000000"/>
                   </a:solidFill>
@@ -1199,7 +1199,7 @@
             </a:ln>
             <a:extLst>
               <a:ext uri="{91240B29-F687-4f45-9708-019B960494DF}">
-                <a14:hiddenLine xmlns="" xmlns:a14="http://schemas.microsoft.com/office/drawing/2010/main" w="9525">
+                <a14:hiddenLine xmlns:a14="http://schemas.microsoft.com/office/drawing/2010/main" xmlns="" w="9525">
                   <a:solidFill>
                     <a:srgbClr val="000000"/>
                   </a:solidFill>
@@ -1289,7 +1289,7 @@
             </a:ln>
             <a:extLst>
               <a:ext uri="{91240B29-F687-4f45-9708-019B960494DF}">
-                <a14:hiddenLine xmlns="" xmlns:a14="http://schemas.microsoft.com/office/drawing/2010/main" w="9525">
+                <a14:hiddenLine xmlns:a14="http://schemas.microsoft.com/office/drawing/2010/main" xmlns="" w="9525">
                   <a:solidFill>
                     <a:srgbClr val="000000"/>
                   </a:solidFill>
@@ -1351,7 +1351,7 @@
             </a:ln>
             <a:extLst>
               <a:ext uri="{91240B29-F687-4f45-9708-019B960494DF}">
-                <a14:hiddenLine xmlns="" xmlns:a14="http://schemas.microsoft.com/office/drawing/2010/main" w="9525">
+                <a14:hiddenLine xmlns:a14="http://schemas.microsoft.com/office/drawing/2010/main" xmlns="" w="9525">
                   <a:solidFill>
                     <a:srgbClr val="000000"/>
                   </a:solidFill>
@@ -1413,7 +1413,7 @@
             </a:ln>
             <a:extLst>
               <a:ext uri="{91240B29-F687-4f45-9708-019B960494DF}">
-                <a14:hiddenLine xmlns="" xmlns:a14="http://schemas.microsoft.com/office/drawing/2010/main" w="9525">
+                <a14:hiddenLine xmlns:a14="http://schemas.microsoft.com/office/drawing/2010/main" xmlns="" w="9525">
                   <a:solidFill>
                     <a:srgbClr val="000000"/>
                   </a:solidFill>
@@ -1503,7 +1503,7 @@
             </a:ln>
             <a:extLst>
               <a:ext uri="{91240B29-F687-4f45-9708-019B960494DF}">
-                <a14:hiddenLine xmlns="" xmlns:a14="http://schemas.microsoft.com/office/drawing/2010/main" w="9525">
+                <a14:hiddenLine xmlns:a14="http://schemas.microsoft.com/office/drawing/2010/main" xmlns="" w="9525">
                   <a:solidFill>
                     <a:srgbClr val="000000"/>
                   </a:solidFill>
@@ -1593,7 +1593,7 @@
             </a:ln>
             <a:extLst>
               <a:ext uri="{91240B29-F687-4f45-9708-019B960494DF}">
-                <a14:hiddenLine xmlns="" xmlns:a14="http://schemas.microsoft.com/office/drawing/2010/main" w="9525">
+                <a14:hiddenLine xmlns:a14="http://schemas.microsoft.com/office/drawing/2010/main" xmlns="" w="9525">
                   <a:solidFill>
                     <a:srgbClr val="000000"/>
                   </a:solidFill>
@@ -1655,7 +1655,7 @@
             </a:ln>
             <a:extLst>
               <a:ext uri="{91240B29-F687-4f45-9708-019B960494DF}">
-                <a14:hiddenLine xmlns="" xmlns:a14="http://schemas.microsoft.com/office/drawing/2010/main" w="9525">
+                <a14:hiddenLine xmlns:a14="http://schemas.microsoft.com/office/drawing/2010/main" xmlns="" w="9525">
                   <a:solidFill>
                     <a:srgbClr val="000000"/>
                   </a:solidFill>
@@ -1765,7 +1765,7 @@
             </a:ln>
             <a:extLst>
               <a:ext uri="{91240B29-F687-4f45-9708-019B960494DF}">
-                <a14:hiddenLine xmlns="" xmlns:a14="http://schemas.microsoft.com/office/drawing/2010/main" w="9525">
+                <a14:hiddenLine xmlns:a14="http://schemas.microsoft.com/office/drawing/2010/main" xmlns="" w="9525">
                   <a:solidFill>
                     <a:srgbClr val="000000"/>
                   </a:solidFill>
@@ -1827,7 +1827,7 @@
             </a:ln>
             <a:extLst>
               <a:ext uri="{91240B29-F687-4f45-9708-019B960494DF}">
-                <a14:hiddenLine xmlns="" xmlns:a14="http://schemas.microsoft.com/office/drawing/2010/main" w="9525">
+                <a14:hiddenLine xmlns:a14="http://schemas.microsoft.com/office/drawing/2010/main" xmlns="" w="9525">
                   <a:solidFill>
                     <a:srgbClr val="000000"/>
                   </a:solidFill>
@@ -1917,7 +1917,7 @@
             </a:ln>
             <a:extLst>
               <a:ext uri="{91240B29-F687-4f45-9708-019B960494DF}">
-                <a14:hiddenLine xmlns="" xmlns:a14="http://schemas.microsoft.com/office/drawing/2010/main" w="9525">
+                <a14:hiddenLine xmlns:a14="http://schemas.microsoft.com/office/drawing/2010/main" xmlns="" w="9525">
                   <a:solidFill>
                     <a:srgbClr val="000000"/>
                   </a:solidFill>
@@ -2007,7 +2007,7 @@
             </a:ln>
             <a:extLst>
               <a:ext uri="{91240B29-F687-4f45-9708-019B960494DF}">
-                <a14:hiddenLine xmlns="" xmlns:a14="http://schemas.microsoft.com/office/drawing/2010/main" w="9525">
+                <a14:hiddenLine xmlns:a14="http://schemas.microsoft.com/office/drawing/2010/main" xmlns="" w="9525">
                   <a:solidFill>
                     <a:srgbClr val="000000"/>
                   </a:solidFill>
@@ -2069,7 +2069,7 @@
             </a:ln>
             <a:extLst>
               <a:ext uri="{91240B29-F687-4f45-9708-019B960494DF}">
-                <a14:hiddenLine xmlns="" xmlns:a14="http://schemas.microsoft.com/office/drawing/2010/main" w="9525">
+                <a14:hiddenLine xmlns:a14="http://schemas.microsoft.com/office/drawing/2010/main" xmlns="" w="9525">
                   <a:solidFill>
                     <a:srgbClr val="000000"/>
                   </a:solidFill>
@@ -2159,7 +2159,7 @@
             </a:ln>
             <a:extLst>
               <a:ext uri="{91240B29-F687-4f45-9708-019B960494DF}">
-                <a14:hiddenLine xmlns="" xmlns:a14="http://schemas.microsoft.com/office/drawing/2010/main" w="9525">
+                <a14:hiddenLine xmlns:a14="http://schemas.microsoft.com/office/drawing/2010/main" xmlns="" w="9525">
                   <a:solidFill>
                     <a:srgbClr val="000000"/>
                   </a:solidFill>
@@ -2249,7 +2249,7 @@
             </a:ln>
             <a:extLst>
               <a:ext uri="{91240B29-F687-4f45-9708-019B960494DF}">
-                <a14:hiddenLine xmlns="" xmlns:a14="http://schemas.microsoft.com/office/drawing/2010/main" w="9525">
+                <a14:hiddenLine xmlns:a14="http://schemas.microsoft.com/office/drawing/2010/main" xmlns="" w="9525">
                   <a:solidFill>
                     <a:srgbClr val="000000"/>
                   </a:solidFill>
@@ -2305,7 +2305,7 @@
             </a:ln>
             <a:extLst>
               <a:ext uri="{91240B29-F687-4f45-9708-019B960494DF}">
-                <a14:hiddenLine xmlns="" xmlns:a14="http://schemas.microsoft.com/office/drawing/2010/main" w="9525">
+                <a14:hiddenLine xmlns:a14="http://schemas.microsoft.com/office/drawing/2010/main" xmlns="" w="9525">
                   <a:solidFill>
                     <a:srgbClr val="000000"/>
                   </a:solidFill>
@@ -2395,7 +2395,7 @@
             </a:ln>
             <a:extLst>
               <a:ext uri="{91240B29-F687-4f45-9708-019B960494DF}">
-                <a14:hiddenLine xmlns="" xmlns:a14="http://schemas.microsoft.com/office/drawing/2010/main" w="9525">
+                <a14:hiddenLine xmlns:a14="http://schemas.microsoft.com/office/drawing/2010/main" xmlns="" w="9525">
                   <a:solidFill>
                     <a:srgbClr val="000000"/>
                   </a:solidFill>
@@ -2451,7 +2451,7 @@
             </a:ln>
             <a:extLst>
               <a:ext uri="{91240B29-F687-4f45-9708-019B960494DF}">
-                <a14:hiddenLine xmlns="" xmlns:a14="http://schemas.microsoft.com/office/drawing/2010/main" w="9525">
+                <a14:hiddenLine xmlns:a14="http://schemas.microsoft.com/office/drawing/2010/main" xmlns="" w="9525">
                   <a:solidFill>
                     <a:srgbClr val="000000"/>
                   </a:solidFill>
@@ -2541,7 +2541,7 @@
             </a:ln>
             <a:extLst>
               <a:ext uri="{91240B29-F687-4f45-9708-019B960494DF}">
-                <a14:hiddenLine xmlns="" xmlns:a14="http://schemas.microsoft.com/office/drawing/2010/main" w="9525">
+                <a14:hiddenLine xmlns:a14="http://schemas.microsoft.com/office/drawing/2010/main" xmlns="" w="9525">
                   <a:solidFill>
                     <a:srgbClr val="000000"/>
                   </a:solidFill>
@@ -2609,7 +2609,7 @@
             </a:ln>
             <a:extLst>
               <a:ext uri="{91240B29-F687-4f45-9708-019B960494DF}">
-                <a14:hiddenLine xmlns="" xmlns:a14="http://schemas.microsoft.com/office/drawing/2010/main" w="9525">
+                <a14:hiddenLine xmlns:a14="http://schemas.microsoft.com/office/drawing/2010/main" xmlns="" w="9525">
                   <a:solidFill>
                     <a:srgbClr val="000000"/>
                   </a:solidFill>
@@ -2699,7 +2699,7 @@
             </a:ln>
             <a:extLst>
               <a:ext uri="{91240B29-F687-4f45-9708-019B960494DF}">
-                <a14:hiddenLine xmlns="" xmlns:a14="http://schemas.microsoft.com/office/drawing/2010/main" w="9525">
+                <a14:hiddenLine xmlns:a14="http://schemas.microsoft.com/office/drawing/2010/main" xmlns="" w="9525">
                   <a:solidFill>
                     <a:srgbClr val="000000"/>
                   </a:solidFill>
@@ -2767,7 +2767,7 @@
             </a:ln>
             <a:extLst>
               <a:ext uri="{91240B29-F687-4f45-9708-019B960494DF}">
-                <a14:hiddenLine xmlns="" xmlns:a14="http://schemas.microsoft.com/office/drawing/2010/main" w="9525">
+                <a14:hiddenLine xmlns:a14="http://schemas.microsoft.com/office/drawing/2010/main" xmlns="" w="9525">
                   <a:solidFill>
                     <a:srgbClr val="000000"/>
                   </a:solidFill>
@@ -2857,7 +2857,7 @@
             </a:ln>
             <a:extLst>
               <a:ext uri="{91240B29-F687-4f45-9708-019B960494DF}">
-                <a14:hiddenLine xmlns="" xmlns:a14="http://schemas.microsoft.com/office/drawing/2010/main" w="9525">
+                <a14:hiddenLine xmlns:a14="http://schemas.microsoft.com/office/drawing/2010/main" xmlns="" w="9525">
                   <a:solidFill>
                     <a:srgbClr val="000000"/>
                   </a:solidFill>
@@ -2891,7 +2891,7 @@
             </a:ln>
             <a:extLst>
               <a:ext uri="{91240B29-F687-4f45-9708-019B960494DF}">
-                <a14:hiddenLine xmlns="" xmlns:a14="http://schemas.microsoft.com/office/drawing/2010/main" w="9525">
+                <a14:hiddenLine xmlns:a14="http://schemas.microsoft.com/office/drawing/2010/main" xmlns="" w="9525">
                   <a:solidFill>
                     <a:srgbClr val="000000"/>
                   </a:solidFill>
@@ -2981,7 +2981,7 @@
             </a:ln>
             <a:extLst>
               <a:ext uri="{91240B29-F687-4f45-9708-019B960494DF}">
-                <a14:hiddenLine xmlns="" xmlns:a14="http://schemas.microsoft.com/office/drawing/2010/main" w="9525">
+                <a14:hiddenLine xmlns:a14="http://schemas.microsoft.com/office/drawing/2010/main" xmlns="" w="9525">
                   <a:solidFill>
                     <a:srgbClr val="000000"/>
                   </a:solidFill>
@@ -3043,7 +3043,7 @@
             </a:ln>
             <a:extLst>
               <a:ext uri="{91240B29-F687-4f45-9708-019B960494DF}">
-                <a14:hiddenLine xmlns="" xmlns:a14="http://schemas.microsoft.com/office/drawing/2010/main" w="9525">
+                <a14:hiddenLine xmlns:a14="http://schemas.microsoft.com/office/drawing/2010/main" xmlns="" w="9525">
                   <a:solidFill>
                     <a:srgbClr val="000000"/>
                   </a:solidFill>
@@ -3105,7 +3105,7 @@
             </a:ln>
             <a:extLst>
               <a:ext uri="{91240B29-F687-4f45-9708-019B960494DF}">
-                <a14:hiddenLine xmlns="" xmlns:a14="http://schemas.microsoft.com/office/drawing/2010/main" w="9525">
+                <a14:hiddenLine xmlns:a14="http://schemas.microsoft.com/office/drawing/2010/main" xmlns="" w="9525">
                   <a:solidFill>
                     <a:srgbClr val="000000"/>
                   </a:solidFill>
@@ -3195,7 +3195,7 @@
             </a:ln>
             <a:extLst>
               <a:ext uri="{91240B29-F687-4f45-9708-019B960494DF}">
-                <a14:hiddenLine xmlns="" xmlns:a14="http://schemas.microsoft.com/office/drawing/2010/main" w="9525">
+                <a14:hiddenLine xmlns:a14="http://schemas.microsoft.com/office/drawing/2010/main" xmlns="" w="9525">
                   <a:solidFill>
                     <a:srgbClr val="000000"/>
                   </a:solidFill>
@@ -3263,7 +3263,7 @@
             </a:ln>
             <a:extLst>
               <a:ext uri="{91240B29-F687-4f45-9708-019B960494DF}">
-                <a14:hiddenLine xmlns="" xmlns:a14="http://schemas.microsoft.com/office/drawing/2010/main" w="9525">
+                <a14:hiddenLine xmlns:a14="http://schemas.microsoft.com/office/drawing/2010/main" xmlns="" w="9525">
                   <a:solidFill>
                     <a:srgbClr val="000000"/>
                   </a:solidFill>
@@ -3325,7 +3325,7 @@
             </a:ln>
             <a:extLst>
               <a:ext uri="{91240B29-F687-4f45-9708-019B960494DF}">
-                <a14:hiddenLine xmlns="" xmlns:a14="http://schemas.microsoft.com/office/drawing/2010/main" w="9525">
+                <a14:hiddenLine xmlns:a14="http://schemas.microsoft.com/office/drawing/2010/main" xmlns="" w="9525">
                   <a:solidFill>
                     <a:srgbClr val="000000"/>
                   </a:solidFill>
@@ -3415,7 +3415,7 @@
             </a:ln>
             <a:extLst>
               <a:ext uri="{91240B29-F687-4f45-9708-019B960494DF}">
-                <a14:hiddenLine xmlns="" xmlns:a14="http://schemas.microsoft.com/office/drawing/2010/main" w="9525">
+                <a14:hiddenLine xmlns:a14="http://schemas.microsoft.com/office/drawing/2010/main" xmlns="" w="9525">
                   <a:solidFill>
                     <a:srgbClr val="000000"/>
                   </a:solidFill>
@@ -3477,7 +3477,7 @@
             </a:ln>
             <a:extLst>
               <a:ext uri="{91240B29-F687-4f45-9708-019B960494DF}">
-                <a14:hiddenLine xmlns="" xmlns:a14="http://schemas.microsoft.com/office/drawing/2010/main" w="9525">
+                <a14:hiddenLine xmlns:a14="http://schemas.microsoft.com/office/drawing/2010/main" xmlns="" w="9525">
                   <a:solidFill>
                     <a:srgbClr val="000000"/>
                   </a:solidFill>
@@ -3567,7 +3567,7 @@
             </a:ln>
             <a:extLst>
               <a:ext uri="{91240B29-F687-4f45-9708-019B960494DF}">
-                <a14:hiddenLine xmlns="" xmlns:a14="http://schemas.microsoft.com/office/drawing/2010/main" w="9525">
+                <a14:hiddenLine xmlns:a14="http://schemas.microsoft.com/office/drawing/2010/main" xmlns="" w="9525">
                   <a:solidFill>
                     <a:srgbClr val="000000"/>
                   </a:solidFill>
@@ -3629,7 +3629,7 @@
             </a:ln>
             <a:extLst>
               <a:ext uri="{91240B29-F687-4f45-9708-019B960494DF}">
-                <a14:hiddenLine xmlns="" xmlns:a14="http://schemas.microsoft.com/office/drawing/2010/main" w="9525">
+                <a14:hiddenLine xmlns:a14="http://schemas.microsoft.com/office/drawing/2010/main" xmlns="" w="9525">
                   <a:solidFill>
                     <a:srgbClr val="000000"/>
                   </a:solidFill>
@@ -3719,7 +3719,7 @@
             </a:ln>
             <a:extLst>
               <a:ext uri="{91240B29-F687-4f45-9708-019B960494DF}">
-                <a14:hiddenLine xmlns="" xmlns:a14="http://schemas.microsoft.com/office/drawing/2010/main" w="9525">
+                <a14:hiddenLine xmlns:a14="http://schemas.microsoft.com/office/drawing/2010/main" xmlns="" w="9525">
                   <a:solidFill>
                     <a:srgbClr val="000000"/>
                   </a:solidFill>
@@ -3753,7 +3753,7 @@
             </a:ln>
             <a:extLst>
               <a:ext uri="{91240B29-F687-4f45-9708-019B960494DF}">
-                <a14:hiddenLine xmlns="" xmlns:a14="http://schemas.microsoft.com/office/drawing/2010/main" w="9525">
+                <a14:hiddenLine xmlns:a14="http://schemas.microsoft.com/office/drawing/2010/main" xmlns="" w="9525">
                   <a:solidFill>
                     <a:srgbClr val="000000"/>
                   </a:solidFill>
@@ -3818,7 +3818,7 @@
             </a:ln>
             <a:extLst>
               <a:ext uri="{91240B29-F687-4f45-9708-019B960494DF}">
-                <a14:hiddenLine xmlns="" xmlns:a14="http://schemas.microsoft.com/office/drawing/2010/main" w="9525">
+                <a14:hiddenLine xmlns:a14="http://schemas.microsoft.com/office/drawing/2010/main" xmlns="" w="9525">
                   <a:solidFill>
                     <a:srgbClr val="000000"/>
                   </a:solidFill>
@@ -3908,7 +3908,7 @@
             </a:ln>
             <a:extLst>
               <a:ext uri="{91240B29-F687-4f45-9708-019B960494DF}">
-                <a14:hiddenLine xmlns="" xmlns:a14="http://schemas.microsoft.com/office/drawing/2010/main" w="9525">
+                <a14:hiddenLine xmlns:a14="http://schemas.microsoft.com/office/drawing/2010/main" xmlns="" w="9525">
                   <a:solidFill>
                     <a:srgbClr val="000000"/>
                   </a:solidFill>
@@ -3970,7 +3970,7 @@
             </a:ln>
             <a:extLst>
               <a:ext uri="{91240B29-F687-4f45-9708-019B960494DF}">
-                <a14:hiddenLine xmlns="" xmlns:a14="http://schemas.microsoft.com/office/drawing/2010/main" w="9525">
+                <a14:hiddenLine xmlns:a14="http://schemas.microsoft.com/office/drawing/2010/main" xmlns="" w="9525">
                   <a:solidFill>
                     <a:srgbClr val="000000"/>
                   </a:solidFill>
@@ -4060,7 +4060,7 @@
             </a:ln>
             <a:extLst>
               <a:ext uri="{91240B29-F687-4f45-9708-019B960494DF}">
-                <a14:hiddenLine xmlns="" xmlns:a14="http://schemas.microsoft.com/office/drawing/2010/main" w="9525">
+                <a14:hiddenLine xmlns:a14="http://schemas.microsoft.com/office/drawing/2010/main" xmlns="" w="9525">
                   <a:solidFill>
                     <a:srgbClr val="000000"/>
                   </a:solidFill>
@@ -4150,7 +4150,7 @@
             </a:ln>
             <a:extLst>
               <a:ext uri="{91240B29-F687-4f45-9708-019B960494DF}">
-                <a14:hiddenLine xmlns="" xmlns:a14="http://schemas.microsoft.com/office/drawing/2010/main" w="9525">
+                <a14:hiddenLine xmlns:a14="http://schemas.microsoft.com/office/drawing/2010/main" xmlns="" w="9525">
                   <a:solidFill>
                     <a:srgbClr val="000000"/>
                   </a:solidFill>
@@ -4215,7 +4215,7 @@
             </a:ln>
             <a:extLst>
               <a:ext uri="{91240B29-F687-4f45-9708-019B960494DF}">
-                <a14:hiddenLine xmlns="" xmlns:a14="http://schemas.microsoft.com/office/drawing/2010/main" w="9525">
+                <a14:hiddenLine xmlns:a14="http://schemas.microsoft.com/office/drawing/2010/main" xmlns="" w="9525">
                   <a:solidFill>
                     <a:srgbClr val="000000"/>
                   </a:solidFill>
@@ -4277,7 +4277,7 @@
             </a:ln>
             <a:extLst>
               <a:ext uri="{91240B29-F687-4f45-9708-019B960494DF}">
-                <a14:hiddenLine xmlns="" xmlns:a14="http://schemas.microsoft.com/office/drawing/2010/main" w="9525">
+                <a14:hiddenLine xmlns:a14="http://schemas.microsoft.com/office/drawing/2010/main" xmlns="" w="9525">
                   <a:solidFill>
                     <a:srgbClr val="000000"/>
                   </a:solidFill>
@@ -4367,7 +4367,7 @@
             </a:ln>
             <a:extLst>
               <a:ext uri="{91240B29-F687-4f45-9708-019B960494DF}">
-                <a14:hiddenLine xmlns="" xmlns:a14="http://schemas.microsoft.com/office/drawing/2010/main" w="9525">
+                <a14:hiddenLine xmlns:a14="http://schemas.microsoft.com/office/drawing/2010/main" xmlns="" w="9525">
                   <a:solidFill>
                     <a:srgbClr val="000000"/>
                   </a:solidFill>
@@ -4457,7 +4457,7 @@
             </a:ln>
             <a:extLst>
               <a:ext uri="{91240B29-F687-4f45-9708-019B960494DF}">
-                <a14:hiddenLine xmlns="" xmlns:a14="http://schemas.microsoft.com/office/drawing/2010/main" w="9525">
+                <a14:hiddenLine xmlns:a14="http://schemas.microsoft.com/office/drawing/2010/main" xmlns="" w="9525">
                   <a:solidFill>
                     <a:srgbClr val="000000"/>
                   </a:solidFill>
@@ -4519,7 +4519,7 @@
             </a:ln>
             <a:extLst>
               <a:ext uri="{91240B29-F687-4f45-9708-019B960494DF}">
-                <a14:hiddenLine xmlns="" xmlns:a14="http://schemas.microsoft.com/office/drawing/2010/main" w="9525">
+                <a14:hiddenLine xmlns:a14="http://schemas.microsoft.com/office/drawing/2010/main" xmlns="" w="9525">
                   <a:solidFill>
                     <a:srgbClr val="000000"/>
                   </a:solidFill>
@@ -4639,7 +4639,7 @@
             </a:ln>
             <a:extLst>
               <a:ext uri="{91240B29-F687-4f45-9708-019B960494DF}">
-                <a14:hiddenLine xmlns="" xmlns:a14="http://schemas.microsoft.com/office/drawing/2010/main" w="9525">
+                <a14:hiddenLine xmlns:a14="http://schemas.microsoft.com/office/drawing/2010/main" xmlns="" w="9525">
                   <a:solidFill>
                     <a:srgbClr val="000000"/>
                   </a:solidFill>
@@ -4707,7 +4707,7 @@
             </a:ln>
             <a:extLst>
               <a:ext uri="{91240B29-F687-4f45-9708-019B960494DF}">
-                <a14:hiddenLine xmlns="" xmlns:a14="http://schemas.microsoft.com/office/drawing/2010/main" w="9525">
+                <a14:hiddenLine xmlns:a14="http://schemas.microsoft.com/office/drawing/2010/main" xmlns="" w="9525">
                   <a:solidFill>
                     <a:srgbClr val="000000"/>
                   </a:solidFill>
@@ -4797,7 +4797,7 @@
             </a:ln>
             <a:extLst>
               <a:ext uri="{91240B29-F687-4f45-9708-019B960494DF}">
-                <a14:hiddenLine xmlns="" xmlns:a14="http://schemas.microsoft.com/office/drawing/2010/main" w="9525">
+                <a14:hiddenLine xmlns:a14="http://schemas.microsoft.com/office/drawing/2010/main" xmlns="" w="9525">
                   <a:solidFill>
                     <a:srgbClr val="000000"/>
                   </a:solidFill>
@@ -4937,7 +4937,7 @@
           <a:p>
             <a:fld id="{F5EE77D2-A7A0-440A-9FFE-8D75038282A9}" type="datetimeFigureOut">
               <a:rPr lang="en-GB" smtClean="0"/>
-              <a:t>12/12/2020</a:t>
+              <a:t>14/12/2020</a:t>
             </a:fld>
             <a:endParaRPr lang="en-GB"/>
           </a:p>
@@ -5117,7 +5117,7 @@
           <a:p>
             <a:fld id="{F5EE77D2-A7A0-440A-9FFE-8D75038282A9}" type="datetimeFigureOut">
               <a:rPr lang="en-GB" smtClean="0"/>
-              <a:t>12/12/2020</a:t>
+              <a:t>14/12/2020</a:t>
             </a:fld>
             <a:endParaRPr lang="en-GB"/>
           </a:p>
@@ -5367,7 +5367,7 @@
           <a:p>
             <a:fld id="{F5EE77D2-A7A0-440A-9FFE-8D75038282A9}" type="datetimeFigureOut">
               <a:rPr lang="en-GB" smtClean="0"/>
-              <a:t>12/12/2020</a:t>
+              <a:t>14/12/2020</a:t>
             </a:fld>
             <a:endParaRPr lang="en-GB"/>
           </a:p>
@@ -5599,7 +5599,7 @@
           <a:p>
             <a:fld id="{F5EE77D2-A7A0-440A-9FFE-8D75038282A9}" type="datetimeFigureOut">
               <a:rPr lang="en-GB" smtClean="0"/>
-              <a:t>12/12/2020</a:t>
+              <a:t>14/12/2020</a:t>
             </a:fld>
             <a:endParaRPr lang="en-GB"/>
           </a:p>
@@ -5980,7 +5980,7 @@
           <a:p>
             <a:fld id="{F5EE77D2-A7A0-440A-9FFE-8D75038282A9}" type="datetimeFigureOut">
               <a:rPr lang="en-GB" smtClean="0"/>
-              <a:t>12/12/2020</a:t>
+              <a:t>14/12/2020</a:t>
             </a:fld>
             <a:endParaRPr lang="en-GB"/>
           </a:p>
@@ -6098,7 +6098,7 @@
           <a:p>
             <a:fld id="{F5EE77D2-A7A0-440A-9FFE-8D75038282A9}" type="datetimeFigureOut">
               <a:rPr lang="en-GB" smtClean="0"/>
-              <a:t>12/12/2020</a:t>
+              <a:t>14/12/2020</a:t>
             </a:fld>
             <a:endParaRPr lang="en-GB"/>
           </a:p>
@@ -6193,7 +6193,7 @@
           <a:p>
             <a:fld id="{F5EE77D2-A7A0-440A-9FFE-8D75038282A9}" type="datetimeFigureOut">
               <a:rPr lang="en-GB" smtClean="0"/>
-              <a:t>12/12/2020</a:t>
+              <a:t>14/12/2020</a:t>
             </a:fld>
             <a:endParaRPr lang="en-GB"/>
           </a:p>
@@ -6442,7 +6442,7 @@
           <a:p>
             <a:fld id="{F5EE77D2-A7A0-440A-9FFE-8D75038282A9}" type="datetimeFigureOut">
               <a:rPr lang="en-GB" smtClean="0"/>
-              <a:t>12/12/2020</a:t>
+              <a:t>14/12/2020</a:t>
             </a:fld>
             <a:endParaRPr lang="en-GB"/>
           </a:p>
@@ -6612,7 +6612,7 @@
           <a:p>
             <a:fld id="{F5EE77D2-A7A0-440A-9FFE-8D75038282A9}" type="datetimeFigureOut">
               <a:rPr lang="en-GB" smtClean="0"/>
-              <a:t>12/12/2020</a:t>
+              <a:t>14/12/2020</a:t>
             </a:fld>
             <a:endParaRPr lang="en-GB"/>
           </a:p>
@@ -6892,7 +6892,7 @@
           <a:p>
             <a:fld id="{F5EE77D2-A7A0-440A-9FFE-8D75038282A9}" type="datetimeFigureOut">
               <a:rPr lang="en-GB" smtClean="0"/>
-              <a:t>12/12/2020</a:t>
+              <a:t>14/12/2020</a:t>
             </a:fld>
             <a:endParaRPr lang="en-GB"/>
           </a:p>
@@ -7149,7 +7149,7 @@
           <a:p>
             <a:fld id="{F5EE77D2-A7A0-440A-9FFE-8D75038282A9}" type="datetimeFigureOut">
               <a:rPr lang="en-GB" smtClean="0"/>
-              <a:t>12/12/2020</a:t>
+              <a:t>14/12/2020</a:t>
             </a:fld>
             <a:endParaRPr lang="en-GB"/>
           </a:p>
@@ -7345,7 +7345,7 @@
           <a:p>
             <a:fld id="{F5EE77D2-A7A0-440A-9FFE-8D75038282A9}" type="datetimeFigureOut">
               <a:rPr lang="en-GB" smtClean="0"/>
-              <a:t>12/12/2020</a:t>
+              <a:t>14/12/2020</a:t>
             </a:fld>
             <a:endParaRPr lang="en-GB"/>
           </a:p>
@@ -7608,7 +7608,7 @@
           <a:p>
             <a:fld id="{F5EE77D2-A7A0-440A-9FFE-8D75038282A9}" type="datetimeFigureOut">
               <a:rPr lang="en-GB" smtClean="0"/>
-              <a:t>12/12/2020</a:t>
+              <a:t>14/12/2020</a:t>
             </a:fld>
             <a:endParaRPr lang="en-GB"/>
           </a:p>
@@ -8042,7 +8042,7 @@
           <a:p>
             <a:fld id="{F5EE77D2-A7A0-440A-9FFE-8D75038282A9}" type="datetimeFigureOut">
               <a:rPr lang="en-GB" smtClean="0"/>
-              <a:t>12/12/2020</a:t>
+              <a:t>14/12/2020</a:t>
             </a:fld>
             <a:endParaRPr lang="en-GB"/>
           </a:p>
@@ -8588,7 +8588,7 @@
           <a:p>
             <a:fld id="{F5EE77D2-A7A0-440A-9FFE-8D75038282A9}" type="datetimeFigureOut">
               <a:rPr lang="en-GB" smtClean="0"/>
-              <a:t>12/12/2020</a:t>
+              <a:t>14/12/2020</a:t>
             </a:fld>
             <a:endParaRPr lang="en-GB"/>
           </a:p>
@@ -9308,7 +9308,7 @@
           <a:p>
             <a:fld id="{F5EE77D2-A7A0-440A-9FFE-8D75038282A9}" type="datetimeFigureOut">
               <a:rPr lang="en-GB" smtClean="0"/>
-              <a:t>12/12/2020</a:t>
+              <a:t>14/12/2020</a:t>
             </a:fld>
             <a:endParaRPr lang="en-GB"/>
           </a:p>
@@ -9478,7 +9478,7 @@
           <a:p>
             <a:fld id="{F5EE77D2-A7A0-440A-9FFE-8D75038282A9}" type="datetimeFigureOut">
               <a:rPr lang="en-GB" smtClean="0"/>
-              <a:t>12/12/2020</a:t>
+              <a:t>14/12/2020</a:t>
             </a:fld>
             <a:endParaRPr lang="en-GB"/>
           </a:p>
@@ -9658,7 +9658,7 @@
           <a:p>
             <a:fld id="{F5EE77D2-A7A0-440A-9FFE-8D75038282A9}" type="datetimeFigureOut">
               <a:rPr lang="en-GB" smtClean="0"/>
-              <a:t>12/12/2020</a:t>
+              <a:t>14/12/2020</a:t>
             </a:fld>
             <a:endParaRPr lang="en-GB"/>
           </a:p>
@@ -9904,7 +9904,7 @@
           <a:p>
             <a:fld id="{F5EE77D2-A7A0-440A-9FFE-8D75038282A9}" type="datetimeFigureOut">
               <a:rPr lang="en-GB" smtClean="0"/>
-              <a:t>12/12/2020</a:t>
+              <a:t>14/12/2020</a:t>
             </a:fld>
             <a:endParaRPr lang="en-GB"/>
           </a:p>
@@ -10136,7 +10136,7 @@
           <a:p>
             <a:fld id="{F5EE77D2-A7A0-440A-9FFE-8D75038282A9}" type="datetimeFigureOut">
               <a:rPr lang="en-GB" smtClean="0"/>
-              <a:t>12/12/2020</a:t>
+              <a:t>14/12/2020</a:t>
             </a:fld>
             <a:endParaRPr lang="en-GB"/>
           </a:p>
@@ -10503,7 +10503,7 @@
           <a:p>
             <a:fld id="{F5EE77D2-A7A0-440A-9FFE-8D75038282A9}" type="datetimeFigureOut">
               <a:rPr lang="en-GB" smtClean="0"/>
-              <a:t>12/12/2020</a:t>
+              <a:t>14/12/2020</a:t>
             </a:fld>
             <a:endParaRPr lang="en-GB"/>
           </a:p>
@@ -10621,7 +10621,7 @@
           <a:p>
             <a:fld id="{F5EE77D2-A7A0-440A-9FFE-8D75038282A9}" type="datetimeFigureOut">
               <a:rPr lang="en-GB" smtClean="0"/>
-              <a:t>12/12/2020</a:t>
+              <a:t>14/12/2020</a:t>
             </a:fld>
             <a:endParaRPr lang="en-GB"/>
           </a:p>
@@ -10716,7 +10716,7 @@
           <a:p>
             <a:fld id="{F5EE77D2-A7A0-440A-9FFE-8D75038282A9}" type="datetimeFigureOut">
               <a:rPr lang="en-GB" smtClean="0"/>
-              <a:t>12/12/2020</a:t>
+              <a:t>14/12/2020</a:t>
             </a:fld>
             <a:endParaRPr lang="en-GB"/>
           </a:p>
@@ -10993,7 +10993,7 @@
           <a:p>
             <a:fld id="{F5EE77D2-A7A0-440A-9FFE-8D75038282A9}" type="datetimeFigureOut">
               <a:rPr lang="en-GB" smtClean="0"/>
-              <a:t>12/12/2020</a:t>
+              <a:t>14/12/2020</a:t>
             </a:fld>
             <a:endParaRPr lang="en-GB"/>
           </a:p>
@@ -11246,7 +11246,7 @@
           <a:p>
             <a:fld id="{F5EE77D2-A7A0-440A-9FFE-8D75038282A9}" type="datetimeFigureOut">
               <a:rPr lang="en-GB" smtClean="0"/>
-              <a:t>12/12/2020</a:t>
+              <a:t>14/12/2020</a:t>
             </a:fld>
             <a:endParaRPr lang="en-GB"/>
           </a:p>
@@ -11459,7 +11459,7 @@
           <a:p>
             <a:fld id="{F5EE77D2-A7A0-440A-9FFE-8D75038282A9}" type="datetimeFigureOut">
               <a:rPr lang="en-GB" smtClean="0"/>
-              <a:t>12/12/2020</a:t>
+              <a:t>14/12/2020</a:t>
             </a:fld>
             <a:endParaRPr lang="en-GB"/>
           </a:p>
@@ -11902,7 +11902,7 @@
           <a:noFill/>
           <a:extLst>
             <a:ext uri="{909E8E84-426E-40dd-AFC4-6F175D3DCCD1}">
-              <a14:hiddenFill xmlns="" xmlns:a14="http://schemas.microsoft.com/office/drawing/2010/main">
+              <a14:hiddenFill xmlns:a14="http://schemas.microsoft.com/office/drawing/2010/main" xmlns="">
                 <a:solidFill>
                   <a:srgbClr val="FFFFFF"/>
                 </a:solidFill>
@@ -11976,7 +11976,7 @@
               </a:ln>
               <a:extLst>
                 <a:ext uri="{91240B29-F687-4f45-9708-019B960494DF}">
-                  <a14:hiddenLine xmlns="" xmlns:a14="http://schemas.microsoft.com/office/drawing/2010/main" w="9525">
+                  <a14:hiddenLine xmlns:a14="http://schemas.microsoft.com/office/drawing/2010/main" xmlns="" w="9525">
                     <a:solidFill>
                       <a:srgbClr val="000000"/>
                     </a:solidFill>
@@ -12066,7 +12066,7 @@
               </a:ln>
               <a:extLst>
                 <a:ext uri="{91240B29-F687-4f45-9708-019B960494DF}">
-                  <a14:hiddenLine xmlns="" xmlns:a14="http://schemas.microsoft.com/office/drawing/2010/main" w="9525">
+                  <a14:hiddenLine xmlns:a14="http://schemas.microsoft.com/office/drawing/2010/main" xmlns="" w="9525">
                     <a:solidFill>
                       <a:srgbClr val="000000"/>
                     </a:solidFill>
@@ -12156,7 +12156,7 @@
               </a:ln>
               <a:extLst>
                 <a:ext uri="{91240B29-F687-4f45-9708-019B960494DF}">
-                  <a14:hiddenLine xmlns="" xmlns:a14="http://schemas.microsoft.com/office/drawing/2010/main" w="9525">
+                  <a14:hiddenLine xmlns:a14="http://schemas.microsoft.com/office/drawing/2010/main" xmlns="" w="9525">
                     <a:solidFill>
                       <a:srgbClr val="000000"/>
                     </a:solidFill>
@@ -12218,7 +12218,7 @@
               </a:ln>
               <a:extLst>
                 <a:ext uri="{91240B29-F687-4f45-9708-019B960494DF}">
-                  <a14:hiddenLine xmlns="" xmlns:a14="http://schemas.microsoft.com/office/drawing/2010/main" w="9525">
+                  <a14:hiddenLine xmlns:a14="http://schemas.microsoft.com/office/drawing/2010/main" xmlns="" w="9525">
                     <a:solidFill>
                       <a:srgbClr val="000000"/>
                     </a:solidFill>
@@ -12308,7 +12308,7 @@
               </a:ln>
               <a:extLst>
                 <a:ext uri="{91240B29-F687-4f45-9708-019B960494DF}">
-                  <a14:hiddenLine xmlns="" xmlns:a14="http://schemas.microsoft.com/office/drawing/2010/main" w="9525">
+                  <a14:hiddenLine xmlns:a14="http://schemas.microsoft.com/office/drawing/2010/main" xmlns="" w="9525">
                     <a:solidFill>
                       <a:srgbClr val="000000"/>
                     </a:solidFill>
@@ -12370,7 +12370,7 @@
               </a:ln>
               <a:extLst>
                 <a:ext uri="{91240B29-F687-4f45-9708-019B960494DF}">
-                  <a14:hiddenLine xmlns="" xmlns:a14="http://schemas.microsoft.com/office/drawing/2010/main" w="9525">
+                  <a14:hiddenLine xmlns:a14="http://schemas.microsoft.com/office/drawing/2010/main" xmlns="" w="9525">
                     <a:solidFill>
                       <a:srgbClr val="000000"/>
                     </a:solidFill>
@@ -12432,7 +12432,7 @@
               </a:ln>
               <a:extLst>
                 <a:ext uri="{91240B29-F687-4f45-9708-019B960494DF}">
-                  <a14:hiddenLine xmlns="" xmlns:a14="http://schemas.microsoft.com/office/drawing/2010/main" w="9525">
+                  <a14:hiddenLine xmlns:a14="http://schemas.microsoft.com/office/drawing/2010/main" xmlns="" w="9525">
                     <a:solidFill>
                       <a:srgbClr val="000000"/>
                     </a:solidFill>
@@ -12522,7 +12522,7 @@
               </a:ln>
               <a:extLst>
                 <a:ext uri="{91240B29-F687-4f45-9708-019B960494DF}">
-                  <a14:hiddenLine xmlns="" xmlns:a14="http://schemas.microsoft.com/office/drawing/2010/main" w="9525">
+                  <a14:hiddenLine xmlns:a14="http://schemas.microsoft.com/office/drawing/2010/main" xmlns="" w="9525">
                     <a:solidFill>
                       <a:srgbClr val="000000"/>
                     </a:solidFill>
@@ -12612,7 +12612,7 @@
               </a:ln>
               <a:extLst>
                 <a:ext uri="{91240B29-F687-4f45-9708-019B960494DF}">
-                  <a14:hiddenLine xmlns="" xmlns:a14="http://schemas.microsoft.com/office/drawing/2010/main" w="9525">
+                  <a14:hiddenLine xmlns:a14="http://schemas.microsoft.com/office/drawing/2010/main" xmlns="" w="9525">
                     <a:solidFill>
                       <a:srgbClr val="000000"/>
                     </a:solidFill>
@@ -12674,7 +12674,7 @@
               </a:ln>
               <a:extLst>
                 <a:ext uri="{91240B29-F687-4f45-9708-019B960494DF}">
-                  <a14:hiddenLine xmlns="" xmlns:a14="http://schemas.microsoft.com/office/drawing/2010/main" w="9525">
+                  <a14:hiddenLine xmlns:a14="http://schemas.microsoft.com/office/drawing/2010/main" xmlns="" w="9525">
                     <a:solidFill>
                       <a:srgbClr val="000000"/>
                     </a:solidFill>
@@ -12784,7 +12784,7 @@
               </a:ln>
               <a:extLst>
                 <a:ext uri="{91240B29-F687-4f45-9708-019B960494DF}">
-                  <a14:hiddenLine xmlns="" xmlns:a14="http://schemas.microsoft.com/office/drawing/2010/main" w="9525">
+                  <a14:hiddenLine xmlns:a14="http://schemas.microsoft.com/office/drawing/2010/main" xmlns="" w="9525">
                     <a:solidFill>
                       <a:srgbClr val="000000"/>
                     </a:solidFill>
@@ -12868,7 +12868,7 @@
               </a:ln>
               <a:extLst>
                 <a:ext uri="{91240B29-F687-4f45-9708-019B960494DF}">
-                  <a14:hiddenLine xmlns="" xmlns:a14="http://schemas.microsoft.com/office/drawing/2010/main" w="9525">
+                  <a14:hiddenLine xmlns:a14="http://schemas.microsoft.com/office/drawing/2010/main" xmlns="" w="9525">
                     <a:solidFill>
                       <a:srgbClr val="000000"/>
                     </a:solidFill>
@@ -12930,7 +12930,7 @@
               </a:ln>
               <a:extLst>
                 <a:ext uri="{91240B29-F687-4f45-9708-019B960494DF}">
-                  <a14:hiddenLine xmlns="" xmlns:a14="http://schemas.microsoft.com/office/drawing/2010/main" w="9525">
+                  <a14:hiddenLine xmlns:a14="http://schemas.microsoft.com/office/drawing/2010/main" xmlns="" w="9525">
                     <a:solidFill>
                       <a:srgbClr val="000000"/>
                     </a:solidFill>
@@ -12992,7 +12992,7 @@
               </a:ln>
               <a:extLst>
                 <a:ext uri="{91240B29-F687-4f45-9708-019B960494DF}">
-                  <a14:hiddenLine xmlns="" xmlns:a14="http://schemas.microsoft.com/office/drawing/2010/main" w="9525">
+                  <a14:hiddenLine xmlns:a14="http://schemas.microsoft.com/office/drawing/2010/main" xmlns="" w="9525">
                     <a:solidFill>
                       <a:srgbClr val="000000"/>
                     </a:solidFill>
@@ -13082,7 +13082,7 @@
               </a:ln>
               <a:extLst>
                 <a:ext uri="{91240B29-F687-4f45-9708-019B960494DF}">
-                  <a14:hiddenLine xmlns="" xmlns:a14="http://schemas.microsoft.com/office/drawing/2010/main" w="9525">
+                  <a14:hiddenLine xmlns:a14="http://schemas.microsoft.com/office/drawing/2010/main" xmlns="" w="9525">
                     <a:solidFill>
                       <a:srgbClr val="000000"/>
                     </a:solidFill>
@@ -13116,7 +13116,7 @@
               </a:ln>
               <a:extLst>
                 <a:ext uri="{91240B29-F687-4f45-9708-019B960494DF}">
-                  <a14:hiddenLine xmlns="" xmlns:a14="http://schemas.microsoft.com/office/drawing/2010/main" w="9525">
+                  <a14:hiddenLine xmlns:a14="http://schemas.microsoft.com/office/drawing/2010/main" xmlns="" w="9525">
                     <a:solidFill>
                       <a:srgbClr val="000000"/>
                     </a:solidFill>
@@ -13181,7 +13181,7 @@
               </a:ln>
               <a:extLst>
                 <a:ext uri="{91240B29-F687-4f45-9708-019B960494DF}">
-                  <a14:hiddenLine xmlns="" xmlns:a14="http://schemas.microsoft.com/office/drawing/2010/main" w="9525">
+                  <a14:hiddenLine xmlns:a14="http://schemas.microsoft.com/office/drawing/2010/main" xmlns="" w="9525">
                     <a:solidFill>
                       <a:srgbClr val="000000"/>
                     </a:solidFill>
@@ -13271,7 +13271,7 @@
               </a:ln>
               <a:extLst>
                 <a:ext uri="{91240B29-F687-4f45-9708-019B960494DF}">
-                  <a14:hiddenLine xmlns="" xmlns:a14="http://schemas.microsoft.com/office/drawing/2010/main" w="9525">
+                  <a14:hiddenLine xmlns:a14="http://schemas.microsoft.com/office/drawing/2010/main" xmlns="" w="9525">
                     <a:solidFill>
                       <a:srgbClr val="000000"/>
                     </a:solidFill>
@@ -13333,7 +13333,7 @@
               </a:ln>
               <a:extLst>
                 <a:ext uri="{91240B29-F687-4f45-9708-019B960494DF}">
-                  <a14:hiddenLine xmlns="" xmlns:a14="http://schemas.microsoft.com/office/drawing/2010/main" w="9525">
+                  <a14:hiddenLine xmlns:a14="http://schemas.microsoft.com/office/drawing/2010/main" xmlns="" w="9525">
                     <a:solidFill>
                       <a:srgbClr val="000000"/>
                     </a:solidFill>
@@ -13423,7 +13423,7 @@
               </a:ln>
               <a:extLst>
                 <a:ext uri="{91240B29-F687-4f45-9708-019B960494DF}">
-                  <a14:hiddenLine xmlns="" xmlns:a14="http://schemas.microsoft.com/office/drawing/2010/main" w="9525">
+                  <a14:hiddenLine xmlns:a14="http://schemas.microsoft.com/office/drawing/2010/main" xmlns="" w="9525">
                     <a:solidFill>
                       <a:srgbClr val="000000"/>
                     </a:solidFill>
@@ -13488,7 +13488,7 @@
               </a:ln>
               <a:extLst>
                 <a:ext uri="{91240B29-F687-4f45-9708-019B960494DF}">
-                  <a14:hiddenLine xmlns="" xmlns:a14="http://schemas.microsoft.com/office/drawing/2010/main" w="9525">
+                  <a14:hiddenLine xmlns:a14="http://schemas.microsoft.com/office/drawing/2010/main" xmlns="" w="9525">
                     <a:solidFill>
                       <a:srgbClr val="000000"/>
                     </a:solidFill>
@@ -13550,7 +13550,7 @@
               </a:ln>
               <a:extLst>
                 <a:ext uri="{91240B29-F687-4f45-9708-019B960494DF}">
-                  <a14:hiddenLine xmlns="" xmlns:a14="http://schemas.microsoft.com/office/drawing/2010/main" w="9525">
+                  <a14:hiddenLine xmlns:a14="http://schemas.microsoft.com/office/drawing/2010/main" xmlns="" w="9525">
                     <a:solidFill>
                       <a:srgbClr val="000000"/>
                     </a:solidFill>
@@ -13640,7 +13640,7 @@
               </a:ln>
               <a:extLst>
                 <a:ext uri="{91240B29-F687-4f45-9708-019B960494DF}">
-                  <a14:hiddenLine xmlns="" xmlns:a14="http://schemas.microsoft.com/office/drawing/2010/main" w="9525">
+                  <a14:hiddenLine xmlns:a14="http://schemas.microsoft.com/office/drawing/2010/main" xmlns="" w="9525">
                     <a:solidFill>
                       <a:srgbClr val="000000"/>
                     </a:solidFill>
@@ -13730,7 +13730,7 @@
               </a:ln>
               <a:extLst>
                 <a:ext uri="{91240B29-F687-4f45-9708-019B960494DF}">
-                  <a14:hiddenLine xmlns="" xmlns:a14="http://schemas.microsoft.com/office/drawing/2010/main" w="9525">
+                  <a14:hiddenLine xmlns:a14="http://schemas.microsoft.com/office/drawing/2010/main" xmlns="" w="9525">
                     <a:solidFill>
                       <a:srgbClr val="000000"/>
                     </a:solidFill>
@@ -13795,7 +13795,7 @@
               </a:ln>
               <a:extLst>
                 <a:ext uri="{91240B29-F687-4f45-9708-019B960494DF}">
-                  <a14:hiddenLine xmlns="" xmlns:a14="http://schemas.microsoft.com/office/drawing/2010/main" w="9525">
+                  <a14:hiddenLine xmlns:a14="http://schemas.microsoft.com/office/drawing/2010/main" xmlns="" w="9525">
                     <a:solidFill>
                       <a:srgbClr val="000000"/>
                     </a:solidFill>
@@ -13915,7 +13915,7 @@
               </a:ln>
               <a:extLst>
                 <a:ext uri="{91240B29-F687-4f45-9708-019B960494DF}">
-                  <a14:hiddenLine xmlns="" xmlns:a14="http://schemas.microsoft.com/office/drawing/2010/main" w="9525">
+                  <a14:hiddenLine xmlns:a14="http://schemas.microsoft.com/office/drawing/2010/main" xmlns="" w="9525">
                     <a:solidFill>
                       <a:srgbClr val="000000"/>
                     </a:solidFill>
@@ -14013,7 +14013,7 @@
               </a:ln>
               <a:extLst>
                 <a:ext uri="{91240B29-F687-4f45-9708-019B960494DF}">
-                  <a14:hiddenLine xmlns="" xmlns:a14="http://schemas.microsoft.com/office/drawing/2010/main" w="9525">
+                  <a14:hiddenLine xmlns:a14="http://schemas.microsoft.com/office/drawing/2010/main" xmlns="" w="9525">
                     <a:solidFill>
                       <a:srgbClr val="000000"/>
                     </a:solidFill>
@@ -14128,7 +14128,7 @@
               </a:ln>
               <a:extLst>
                 <a:ext uri="{91240B29-F687-4f45-9708-019B960494DF}">
-                  <a14:hiddenLine xmlns="" xmlns:a14="http://schemas.microsoft.com/office/drawing/2010/main" w="9525">
+                  <a14:hiddenLine xmlns:a14="http://schemas.microsoft.com/office/drawing/2010/main" xmlns="" w="9525">
                     <a:solidFill>
                       <a:srgbClr val="000000"/>
                     </a:solidFill>
@@ -14218,7 +14218,7 @@
               </a:ln>
               <a:extLst>
                 <a:ext uri="{91240B29-F687-4f45-9708-019B960494DF}">
-                  <a14:hiddenLine xmlns="" xmlns:a14="http://schemas.microsoft.com/office/drawing/2010/main" w="9525">
+                  <a14:hiddenLine xmlns:a14="http://schemas.microsoft.com/office/drawing/2010/main" xmlns="" w="9525">
                     <a:solidFill>
                       <a:srgbClr val="000000"/>
                     </a:solidFill>
@@ -14283,7 +14283,7 @@
               </a:ln>
               <a:extLst>
                 <a:ext uri="{91240B29-F687-4f45-9708-019B960494DF}">
-                  <a14:hiddenLine xmlns="" xmlns:a14="http://schemas.microsoft.com/office/drawing/2010/main" w="9525">
+                  <a14:hiddenLine xmlns:a14="http://schemas.microsoft.com/office/drawing/2010/main" xmlns="" w="9525">
                     <a:solidFill>
                       <a:srgbClr val="000000"/>
                     </a:solidFill>
@@ -14373,7 +14373,7 @@
               </a:ln>
               <a:extLst>
                 <a:ext uri="{91240B29-F687-4f45-9708-019B960494DF}">
-                  <a14:hiddenLine xmlns="" xmlns:a14="http://schemas.microsoft.com/office/drawing/2010/main" w="9525">
+                  <a14:hiddenLine xmlns:a14="http://schemas.microsoft.com/office/drawing/2010/main" xmlns="" w="9525">
                     <a:solidFill>
                       <a:srgbClr val="000000"/>
                     </a:solidFill>
@@ -14441,7 +14441,7 @@
               </a:ln>
               <a:extLst>
                 <a:ext uri="{91240B29-F687-4f45-9708-019B960494DF}">
-                  <a14:hiddenLine xmlns="" xmlns:a14="http://schemas.microsoft.com/office/drawing/2010/main" w="9525">
+                  <a14:hiddenLine xmlns:a14="http://schemas.microsoft.com/office/drawing/2010/main" xmlns="" w="9525">
                     <a:solidFill>
                       <a:srgbClr val="000000"/>
                     </a:solidFill>
@@ -14531,7 +14531,7 @@
               </a:ln>
               <a:extLst>
                 <a:ext uri="{91240B29-F687-4f45-9708-019B960494DF}">
-                  <a14:hiddenLine xmlns="" xmlns:a14="http://schemas.microsoft.com/office/drawing/2010/main" w="9525">
+                  <a14:hiddenLine xmlns:a14="http://schemas.microsoft.com/office/drawing/2010/main" xmlns="" w="9525">
                     <a:solidFill>
                       <a:srgbClr val="000000"/>
                     </a:solidFill>
@@ -14599,7 +14599,7 @@
               </a:ln>
               <a:extLst>
                 <a:ext uri="{91240B29-F687-4f45-9708-019B960494DF}">
-                  <a14:hiddenLine xmlns="" xmlns:a14="http://schemas.microsoft.com/office/drawing/2010/main" w="9525">
+                  <a14:hiddenLine xmlns:a14="http://schemas.microsoft.com/office/drawing/2010/main" xmlns="" w="9525">
                     <a:solidFill>
                       <a:srgbClr val="000000"/>
                     </a:solidFill>
@@ -14689,7 +14689,7 @@
               </a:ln>
               <a:extLst>
                 <a:ext uri="{91240B29-F687-4f45-9708-019B960494DF}">
-                  <a14:hiddenLine xmlns="" xmlns:a14="http://schemas.microsoft.com/office/drawing/2010/main" w="9525">
+                  <a14:hiddenLine xmlns:a14="http://schemas.microsoft.com/office/drawing/2010/main" xmlns="" w="9525">
                     <a:solidFill>
                       <a:srgbClr val="000000"/>
                     </a:solidFill>
@@ -14723,7 +14723,7 @@
               </a:ln>
               <a:extLst>
                 <a:ext uri="{91240B29-F687-4f45-9708-019B960494DF}">
-                  <a14:hiddenLine xmlns="" xmlns:a14="http://schemas.microsoft.com/office/drawing/2010/main" w="9525">
+                  <a14:hiddenLine xmlns:a14="http://schemas.microsoft.com/office/drawing/2010/main" xmlns="" w="9525">
                     <a:solidFill>
                       <a:srgbClr val="000000"/>
                     </a:solidFill>
@@ -14863,7 +14863,7 @@
           <a:p>
             <a:fld id="{F5EE77D2-A7A0-440A-9FFE-8D75038282A9}" type="datetimeFigureOut">
               <a:rPr lang="en-GB" smtClean="0"/>
-              <a:t>12/12/2020</a:t>
+              <a:t>14/12/2020</a:t>
             </a:fld>
             <a:endParaRPr lang="en-GB"/>
           </a:p>
@@ -15367,7 +15367,7 @@
               <a:t>RARA| NALDI |</a:t>
             </a:r>
             <a:r>
-              <a:rPr lang="en-ID" sz="4000" dirty="0" err="1">
+              <a:rPr lang="en-ID" sz="4000" dirty="0" err="1" smtClean="0">
                 <a:solidFill>
                   <a:schemeClr val="tx2">
                     <a:lumMod val="60000"/>
@@ -15375,7 +15375,7 @@
                   </a:schemeClr>
                 </a:solidFill>
               </a:rPr>
-              <a:t>rIZAL|iwin</a:t>
+              <a:t>rIZAl</a:t>
             </a:r>
             <a:endParaRPr lang="en-GB" sz="4000" dirty="0">
               <a:solidFill>
@@ -15473,8 +15473,8 @@
         </p:nvSpPr>
         <p:spPr>
           <a:xfrm>
-            <a:off x="1524415" y="1667517"/>
-            <a:ext cx="900000" cy="288000"/>
+            <a:off x="1524414" y="1667517"/>
+            <a:ext cx="952877" cy="288000"/>
           </a:xfrm>
           <a:prstGeom prst="rect">
             <a:avLst/>
@@ -15500,8 +15500,16 @@
           <a:p>
             <a:pPr algn="ctr"/>
             <a:r>
+              <a:rPr lang="en-ID" sz="1400" dirty="0" err="1" smtClean="0"/>
+              <a:t>Dibawah</a:t>
+            </a:r>
+            <a:r>
+              <a:rPr lang="en-ID" sz="1400" dirty="0" smtClean="0"/>
+              <a:t> </a:t>
+            </a:r>
+            <a:r>
               <a:rPr lang="en-ID" sz="1400" dirty="0"/>
-              <a:t>&lt; 4</a:t>
+              <a:t>4</a:t>
             </a:r>
             <a:endParaRPr lang="en-GB" sz="1400" dirty="0"/>
           </a:p>
@@ -15515,7 +15523,7 @@
         </p:nvSpPr>
         <p:spPr>
           <a:xfrm>
-            <a:off x="1524415" y="3678889"/>
+            <a:off x="1550852" y="3678889"/>
             <a:ext cx="900000" cy="288000"/>
           </a:xfrm>
           <a:prstGeom prst="rect">
@@ -15557,7 +15565,7 @@
         </p:nvSpPr>
         <p:spPr>
           <a:xfrm>
-            <a:off x="1524414" y="5690260"/>
+            <a:off x="1550852" y="5690260"/>
             <a:ext cx="900000" cy="288000"/>
           </a:xfrm>
           <a:prstGeom prst="rect">
@@ -15584,8 +15592,12 @@
           <a:p>
             <a:pPr algn="ctr"/>
             <a:r>
-              <a:rPr lang="en-ID" sz="1400" dirty="0"/>
-              <a:t>10&lt;</a:t>
+              <a:rPr lang="en-ID" sz="1400" dirty="0" err="1" smtClean="0"/>
+              <a:t>Diatas</a:t>
+            </a:r>
+            <a:r>
+              <a:rPr lang="en-ID" sz="1400" dirty="0" smtClean="0"/>
+              <a:t> 10</a:t>
             </a:r>
             <a:endParaRPr lang="en-GB" sz="1400" dirty="0"/>
           </a:p>
@@ -16485,7 +16497,7 @@
         <p:spPr>
           <a:xfrm flipV="1">
             <a:off x="1061737" y="1811517"/>
-            <a:ext cx="462678" cy="1981043"/>
+            <a:ext cx="462677" cy="1981043"/>
           </a:xfrm>
           <a:prstGeom prst="straightConnector1">
             <a:avLst/>
@@ -16521,7 +16533,7 @@
         <p:spPr>
           <a:xfrm>
             <a:off x="1061737" y="3792560"/>
-            <a:ext cx="462678" cy="30329"/>
+            <a:ext cx="489115" cy="30329"/>
           </a:xfrm>
           <a:prstGeom prst="straightConnector1">
             <a:avLst/>
@@ -16557,7 +16569,7 @@
         <p:spPr>
           <a:xfrm>
             <a:off x="1061737" y="3792560"/>
-            <a:ext cx="462677" cy="2041700"/>
+            <a:ext cx="489115" cy="2041700"/>
           </a:xfrm>
           <a:prstGeom prst="straightConnector1">
             <a:avLst/>
@@ -16592,8 +16604,8 @@
         </p:nvCxnSpPr>
         <p:spPr>
           <a:xfrm flipV="1">
-            <a:off x="2424415" y="1402837"/>
-            <a:ext cx="532101" cy="408680"/>
+            <a:off x="2477291" y="1402837"/>
+            <a:ext cx="479225" cy="408680"/>
           </a:xfrm>
           <a:prstGeom prst="straightConnector1">
             <a:avLst/>
@@ -16628,8 +16640,8 @@
         </p:nvCxnSpPr>
         <p:spPr>
           <a:xfrm>
-            <a:off x="2424415" y="1811517"/>
-            <a:ext cx="532101" cy="535471"/>
+            <a:off x="2477291" y="1811517"/>
+            <a:ext cx="479225" cy="535471"/>
           </a:xfrm>
           <a:prstGeom prst="straightConnector1">
             <a:avLst/>
@@ -16664,8 +16676,8 @@
         </p:nvCxnSpPr>
         <p:spPr>
           <a:xfrm flipV="1">
-            <a:off x="2424415" y="3290751"/>
-            <a:ext cx="532101" cy="532138"/>
+            <a:off x="2450852" y="3290751"/>
+            <a:ext cx="505664" cy="532138"/>
           </a:xfrm>
           <a:prstGeom prst="straightConnector1">
             <a:avLst/>
@@ -16700,8 +16712,8 @@
         </p:nvCxnSpPr>
         <p:spPr>
           <a:xfrm>
-            <a:off x="2424415" y="3822889"/>
-            <a:ext cx="532101" cy="411819"/>
+            <a:off x="2450852" y="3822889"/>
+            <a:ext cx="505664" cy="411819"/>
           </a:xfrm>
           <a:prstGeom prst="straightConnector1">
             <a:avLst/>
@@ -16736,8 +16748,8 @@
         </p:nvCxnSpPr>
         <p:spPr>
           <a:xfrm flipV="1">
-            <a:off x="2424414" y="5178665"/>
-            <a:ext cx="532102" cy="655595"/>
+            <a:off x="2450852" y="5178665"/>
+            <a:ext cx="505664" cy="655595"/>
           </a:xfrm>
           <a:prstGeom prst="straightConnector1">
             <a:avLst/>
@@ -16772,8 +16784,8 @@
         </p:nvCxnSpPr>
         <p:spPr>
           <a:xfrm>
-            <a:off x="2424414" y="5834260"/>
-            <a:ext cx="532102" cy="288364"/>
+            <a:off x="2450852" y="5834260"/>
+            <a:ext cx="505664" cy="288364"/>
           </a:xfrm>
           <a:prstGeom prst="straightConnector1">
             <a:avLst/>
@@ -21722,111 +21734,6 @@
                 </a:outerShdw>
               </a:effectLst>
             </a:endParaRPr>
-          </a:p>
-        </p:txBody>
-      </p:sp>
-      <p:sp>
-        <p:nvSpPr>
-          <p:cNvPr id="137" name="Rectangle 136"/>
-          <p:cNvSpPr/>
-          <p:nvPr/>
-        </p:nvSpPr>
-        <p:spPr>
-          <a:xfrm>
-            <a:off x="116875" y="748996"/>
-            <a:ext cx="1350613" cy="288000"/>
-          </a:xfrm>
-          <a:prstGeom prst="rect">
-            <a:avLst/>
-          </a:prstGeom>
-          <a:ln>
-            <a:noFill/>
-          </a:ln>
-        </p:spPr>
-        <p:style>
-          <a:lnRef idx="2">
-            <a:schemeClr val="dk1"/>
-          </a:lnRef>
-          <a:fillRef idx="1">
-            <a:schemeClr val="lt1"/>
-          </a:fillRef>
-          <a:effectRef idx="0">
-            <a:schemeClr val="dk1"/>
-          </a:effectRef>
-          <a:fontRef idx="minor">
-            <a:schemeClr val="dk1"/>
-          </a:fontRef>
-        </p:style>
-        <p:txBody>
-          <a:bodyPr rtlCol="0" anchor="ctr"/>
-          <a:lstStyle/>
-          <a:p>
-            <a:pPr algn="ctr"/>
-            <a:r>
-              <a:rPr lang="en-ID" sz="1400" dirty="0"/>
-              <a:t>*</a:t>
-            </a:r>
-            <a:r>
-              <a:rPr lang="en-ID" sz="1400" dirty="0" err="1"/>
-              <a:t>tombol</a:t>
-            </a:r>
-            <a:r>
-              <a:rPr lang="en-ID" sz="1400" dirty="0"/>
-              <a:t> 1 2 3 </a:t>
-            </a:r>
-            <a:r>
-              <a:rPr lang="en-ID" sz="1400" dirty="0" err="1"/>
-              <a:t>buat</a:t>
-            </a:r>
-            <a:r>
-              <a:rPr lang="en-ID" sz="1400" dirty="0"/>
-              <a:t> hyperlink </a:t>
-            </a:r>
-            <a:r>
-              <a:rPr lang="en-ID" sz="1400" dirty="0" err="1"/>
-              <a:t>ke</a:t>
-            </a:r>
-            <a:r>
-              <a:rPr lang="en-ID" sz="1400" dirty="0"/>
-              <a:t> </a:t>
-            </a:r>
-            <a:r>
-              <a:rPr lang="en-ID" sz="1400" dirty="0" err="1"/>
-              <a:t>gambar</a:t>
-            </a:r>
-            <a:r>
-              <a:rPr lang="en-ID" sz="1400" dirty="0"/>
-              <a:t> laptop yang </a:t>
-            </a:r>
-            <a:r>
-              <a:rPr lang="en-ID" sz="1400" dirty="0" err="1"/>
-              <a:t>sesuai</a:t>
-            </a:r>
-            <a:r>
-              <a:rPr lang="en-ID" sz="1400" dirty="0"/>
-              <a:t> </a:t>
-            </a:r>
-            <a:r>
-              <a:rPr lang="en-ID" sz="1400" dirty="0" err="1"/>
-              <a:t>dengan</a:t>
-            </a:r>
-            <a:r>
-              <a:rPr lang="en-ID" sz="1400" dirty="0"/>
-              <a:t> </a:t>
-            </a:r>
-            <a:r>
-              <a:rPr lang="en-ID" sz="1400" dirty="0" err="1"/>
-              <a:t>spesifikasi</a:t>
-            </a:r>
-            <a:r>
-              <a:rPr lang="en-ID" sz="1400" dirty="0"/>
-              <a:t> </a:t>
-            </a:r>
-            <a:r>
-              <a:rPr lang="en-ID" sz="1400" dirty="0" err="1"/>
-              <a:t>disamping</a:t>
-            </a:r>
-            <a:endParaRPr lang="en-GB" sz="1400" dirty="0"/>
           </a:p>
         </p:txBody>
       </p:sp>
@@ -25220,111 +25127,6 @@
       </p:sp>
       <p:sp>
         <p:nvSpPr>
-          <p:cNvPr id="137" name="Rectangle 136"/>
-          <p:cNvSpPr/>
-          <p:nvPr/>
-        </p:nvSpPr>
-        <p:spPr>
-          <a:xfrm>
-            <a:off x="116875" y="748996"/>
-            <a:ext cx="1350613" cy="288000"/>
-          </a:xfrm>
-          <a:prstGeom prst="rect">
-            <a:avLst/>
-          </a:prstGeom>
-          <a:ln>
-            <a:noFill/>
-          </a:ln>
-        </p:spPr>
-        <p:style>
-          <a:lnRef idx="2">
-            <a:schemeClr val="dk1"/>
-          </a:lnRef>
-          <a:fillRef idx="1">
-            <a:schemeClr val="lt1"/>
-          </a:fillRef>
-          <a:effectRef idx="0">
-            <a:schemeClr val="dk1"/>
-          </a:effectRef>
-          <a:fontRef idx="minor">
-            <a:schemeClr val="dk1"/>
-          </a:fontRef>
-        </p:style>
-        <p:txBody>
-          <a:bodyPr rtlCol="0" anchor="ctr"/>
-          <a:lstStyle/>
-          <a:p>
-            <a:pPr algn="ctr"/>
-            <a:r>
-              <a:rPr lang="en-ID" sz="1400" dirty="0"/>
-              <a:t>*</a:t>
-            </a:r>
-            <a:r>
-              <a:rPr lang="en-ID" sz="1400" dirty="0" err="1"/>
-              <a:t>tombol</a:t>
-            </a:r>
-            <a:r>
-              <a:rPr lang="en-ID" sz="1400" dirty="0"/>
-              <a:t> 1 2 3 </a:t>
-            </a:r>
-            <a:r>
-              <a:rPr lang="en-ID" sz="1400" dirty="0" err="1"/>
-              <a:t>buat</a:t>
-            </a:r>
-            <a:r>
-              <a:rPr lang="en-ID" sz="1400" dirty="0"/>
-              <a:t> hyperlink </a:t>
-            </a:r>
-            <a:r>
-              <a:rPr lang="en-ID" sz="1400" dirty="0" err="1"/>
-              <a:t>ke</a:t>
-            </a:r>
-            <a:r>
-              <a:rPr lang="en-ID" sz="1400" dirty="0"/>
-              <a:t> </a:t>
-            </a:r>
-            <a:r>
-              <a:rPr lang="en-ID" sz="1400" dirty="0" err="1"/>
-              <a:t>gambar</a:t>
-            </a:r>
-            <a:r>
-              <a:rPr lang="en-ID" sz="1400" dirty="0"/>
-              <a:t> laptop yang </a:t>
-            </a:r>
-            <a:r>
-              <a:rPr lang="en-ID" sz="1400" dirty="0" err="1"/>
-              <a:t>sesuai</a:t>
-            </a:r>
-            <a:r>
-              <a:rPr lang="en-ID" sz="1400" dirty="0"/>
-              <a:t> </a:t>
-            </a:r>
-            <a:r>
-              <a:rPr lang="en-ID" sz="1400" dirty="0" err="1"/>
-              <a:t>dengan</a:t>
-            </a:r>
-            <a:r>
-              <a:rPr lang="en-ID" sz="1400" dirty="0"/>
-              <a:t> </a:t>
-            </a:r>
-            <a:r>
-              <a:rPr lang="en-ID" sz="1400" dirty="0" err="1"/>
-              <a:t>spesifikasi</a:t>
-            </a:r>
-            <a:r>
-              <a:rPr lang="en-ID" sz="1400" dirty="0"/>
-              <a:t> </a:t>
-            </a:r>
-            <a:r>
-              <a:rPr lang="en-ID" sz="1400" dirty="0" err="1"/>
-              <a:t>disamping</a:t>
-            </a:r>
-            <a:endParaRPr lang="en-GB" sz="1400" dirty="0"/>
-          </a:p>
-        </p:txBody>
-      </p:sp>
-      <p:sp>
-        <p:nvSpPr>
           <p:cNvPr id="138" name="Rectangle 137">
             <a:extLst>
               <a:ext uri="{FF2B5EF4-FFF2-40B4-BE49-F238E27FC236}">
@@ -30652,111 +30454,6 @@
       </p:sp>
       <p:sp>
         <p:nvSpPr>
-          <p:cNvPr id="137" name="Rectangle 136"/>
-          <p:cNvSpPr/>
-          <p:nvPr/>
-        </p:nvSpPr>
-        <p:spPr>
-          <a:xfrm>
-            <a:off x="116875" y="748996"/>
-            <a:ext cx="1350613" cy="288000"/>
-          </a:xfrm>
-          <a:prstGeom prst="rect">
-            <a:avLst/>
-          </a:prstGeom>
-          <a:ln>
-            <a:noFill/>
-          </a:ln>
-        </p:spPr>
-        <p:style>
-          <a:lnRef idx="2">
-            <a:schemeClr val="dk1"/>
-          </a:lnRef>
-          <a:fillRef idx="1">
-            <a:schemeClr val="lt1"/>
-          </a:fillRef>
-          <a:effectRef idx="0">
-            <a:schemeClr val="dk1"/>
-          </a:effectRef>
-          <a:fontRef idx="minor">
-            <a:schemeClr val="dk1"/>
-          </a:fontRef>
-        </p:style>
-        <p:txBody>
-          <a:bodyPr rtlCol="0" anchor="ctr"/>
-          <a:lstStyle/>
-          <a:p>
-            <a:pPr algn="ctr"/>
-            <a:r>
-              <a:rPr lang="en-ID" sz="1400" dirty="0"/>
-              <a:t>*</a:t>
-            </a:r>
-            <a:r>
-              <a:rPr lang="en-ID" sz="1400" dirty="0" err="1"/>
-              <a:t>tombol</a:t>
-            </a:r>
-            <a:r>
-              <a:rPr lang="en-ID" sz="1400" dirty="0"/>
-              <a:t> 1 2 3 </a:t>
-            </a:r>
-            <a:r>
-              <a:rPr lang="en-ID" sz="1400" dirty="0" err="1"/>
-              <a:t>buat</a:t>
-            </a:r>
-            <a:r>
-              <a:rPr lang="en-ID" sz="1400" dirty="0"/>
-              <a:t> hyperlink </a:t>
-            </a:r>
-            <a:r>
-              <a:rPr lang="en-ID" sz="1400" dirty="0" err="1"/>
-              <a:t>ke</a:t>
-            </a:r>
-            <a:r>
-              <a:rPr lang="en-ID" sz="1400" dirty="0"/>
-              <a:t> </a:t>
-            </a:r>
-            <a:r>
-              <a:rPr lang="en-ID" sz="1400" dirty="0" err="1"/>
-              <a:t>gambar</a:t>
-            </a:r>
-            <a:r>
-              <a:rPr lang="en-ID" sz="1400" dirty="0"/>
-              <a:t> laptop yang </a:t>
-            </a:r>
-            <a:r>
-              <a:rPr lang="en-ID" sz="1400" dirty="0" err="1"/>
-              <a:t>sesuai</a:t>
-            </a:r>
-            <a:r>
-              <a:rPr lang="en-ID" sz="1400" dirty="0"/>
-              <a:t> </a:t>
-            </a:r>
-            <a:r>
-              <a:rPr lang="en-ID" sz="1400" dirty="0" err="1"/>
-              <a:t>dengan</a:t>
-            </a:r>
-            <a:r>
-              <a:rPr lang="en-ID" sz="1400" dirty="0"/>
-              <a:t> </a:t>
-            </a:r>
-            <a:r>
-              <a:rPr lang="en-ID" sz="1400" dirty="0" err="1"/>
-              <a:t>spesifikasi</a:t>
-            </a:r>
-            <a:r>
-              <a:rPr lang="en-ID" sz="1400" dirty="0"/>
-              <a:t> </a:t>
-            </a:r>
-            <a:r>
-              <a:rPr lang="en-ID" sz="1400" dirty="0" err="1"/>
-              <a:t>disamping</a:t>
-            </a:r>
-            <a:endParaRPr lang="en-GB" sz="1400" dirty="0"/>
-          </a:p>
-        </p:txBody>
-      </p:sp>
-      <p:sp>
-        <p:nvSpPr>
           <p:cNvPr id="138" name="Rectangle 137">
             <a:extLst>
               <a:ext uri="{FF2B5EF4-FFF2-40B4-BE49-F238E27FC236}">
@@ -36079,111 +35776,6 @@
       </p:sp>
       <p:sp>
         <p:nvSpPr>
-          <p:cNvPr id="137" name="Rectangle 136"/>
-          <p:cNvSpPr/>
-          <p:nvPr/>
-        </p:nvSpPr>
-        <p:spPr>
-          <a:xfrm>
-            <a:off x="116875" y="748996"/>
-            <a:ext cx="1350613" cy="288000"/>
-          </a:xfrm>
-          <a:prstGeom prst="rect">
-            <a:avLst/>
-          </a:prstGeom>
-          <a:ln>
-            <a:noFill/>
-          </a:ln>
-        </p:spPr>
-        <p:style>
-          <a:lnRef idx="2">
-            <a:schemeClr val="dk1"/>
-          </a:lnRef>
-          <a:fillRef idx="1">
-            <a:schemeClr val="lt1"/>
-          </a:fillRef>
-          <a:effectRef idx="0">
-            <a:schemeClr val="dk1"/>
-          </a:effectRef>
-          <a:fontRef idx="minor">
-            <a:schemeClr val="dk1"/>
-          </a:fontRef>
-        </p:style>
-        <p:txBody>
-          <a:bodyPr rtlCol="0" anchor="ctr"/>
-          <a:lstStyle/>
-          <a:p>
-            <a:pPr algn="ctr"/>
-            <a:r>
-              <a:rPr lang="en-ID" sz="1400" dirty="0"/>
-              <a:t>*</a:t>
-            </a:r>
-            <a:r>
-              <a:rPr lang="en-ID" sz="1400" dirty="0" err="1"/>
-              <a:t>tombol</a:t>
-            </a:r>
-            <a:r>
-              <a:rPr lang="en-ID" sz="1400" dirty="0"/>
-              <a:t> 1 2 3 </a:t>
-            </a:r>
-            <a:r>
-              <a:rPr lang="en-ID" sz="1400" dirty="0" err="1"/>
-              <a:t>buat</a:t>
-            </a:r>
-            <a:r>
-              <a:rPr lang="en-ID" sz="1400" dirty="0"/>
-              <a:t> hyperlink </a:t>
-            </a:r>
-            <a:r>
-              <a:rPr lang="en-ID" sz="1400" dirty="0" err="1"/>
-              <a:t>ke</a:t>
-            </a:r>
-            <a:r>
-              <a:rPr lang="en-ID" sz="1400" dirty="0"/>
-              <a:t> </a:t>
-            </a:r>
-            <a:r>
-              <a:rPr lang="en-ID" sz="1400" dirty="0" err="1"/>
-              <a:t>gambar</a:t>
-            </a:r>
-            <a:r>
-              <a:rPr lang="en-ID" sz="1400" dirty="0"/>
-              <a:t> laptop yang </a:t>
-            </a:r>
-            <a:r>
-              <a:rPr lang="en-ID" sz="1400" dirty="0" err="1"/>
-              <a:t>sesuai</a:t>
-            </a:r>
-            <a:r>
-              <a:rPr lang="en-ID" sz="1400" dirty="0"/>
-              <a:t> </a:t>
-            </a:r>
-            <a:r>
-              <a:rPr lang="en-ID" sz="1400" dirty="0" err="1"/>
-              <a:t>dengan</a:t>
-            </a:r>
-            <a:r>
-              <a:rPr lang="en-ID" sz="1400" dirty="0"/>
-              <a:t> </a:t>
-            </a:r>
-            <a:r>
-              <a:rPr lang="en-ID" sz="1400" dirty="0" err="1"/>
-              <a:t>spesifikasi</a:t>
-            </a:r>
-            <a:r>
-              <a:rPr lang="en-ID" sz="1400" dirty="0"/>
-              <a:t> </a:t>
-            </a:r>
-            <a:r>
-              <a:rPr lang="en-ID" sz="1400" dirty="0" err="1"/>
-              <a:t>disamping</a:t>
-            </a:r>
-            <a:endParaRPr lang="en-GB" sz="1400" dirty="0"/>
-          </a:p>
-        </p:txBody>
-      </p:sp>
-      <p:sp>
-        <p:nvSpPr>
           <p:cNvPr id="138" name="Rectangle 137">
             <a:extLst>
               <a:ext uri="{FF2B5EF4-FFF2-40B4-BE49-F238E27FC236}">
@@ -41498,111 +41090,6 @@
                 </a:outerShdw>
               </a:effectLst>
             </a:endParaRPr>
-          </a:p>
-        </p:txBody>
-      </p:sp>
-      <p:sp>
-        <p:nvSpPr>
-          <p:cNvPr id="137" name="Rectangle 136"/>
-          <p:cNvSpPr/>
-          <p:nvPr/>
-        </p:nvSpPr>
-        <p:spPr>
-          <a:xfrm>
-            <a:off x="116875" y="748996"/>
-            <a:ext cx="1350613" cy="288000"/>
-          </a:xfrm>
-          <a:prstGeom prst="rect">
-            <a:avLst/>
-          </a:prstGeom>
-          <a:ln>
-            <a:noFill/>
-          </a:ln>
-        </p:spPr>
-        <p:style>
-          <a:lnRef idx="2">
-            <a:schemeClr val="dk1"/>
-          </a:lnRef>
-          <a:fillRef idx="1">
-            <a:schemeClr val="lt1"/>
-          </a:fillRef>
-          <a:effectRef idx="0">
-            <a:schemeClr val="dk1"/>
-          </a:effectRef>
-          <a:fontRef idx="minor">
-            <a:schemeClr val="dk1"/>
-          </a:fontRef>
-        </p:style>
-        <p:txBody>
-          <a:bodyPr rtlCol="0" anchor="ctr"/>
-          <a:lstStyle/>
-          <a:p>
-            <a:pPr algn="ctr"/>
-            <a:r>
-              <a:rPr lang="en-ID" sz="1400" dirty="0"/>
-              <a:t>*</a:t>
-            </a:r>
-            <a:r>
-              <a:rPr lang="en-ID" sz="1400" dirty="0" err="1"/>
-              <a:t>tombol</a:t>
-            </a:r>
-            <a:r>
-              <a:rPr lang="en-ID" sz="1400" dirty="0"/>
-              <a:t> 1 2 3 </a:t>
-            </a:r>
-            <a:r>
-              <a:rPr lang="en-ID" sz="1400" dirty="0" err="1"/>
-              <a:t>buat</a:t>
-            </a:r>
-            <a:r>
-              <a:rPr lang="en-ID" sz="1400" dirty="0"/>
-              <a:t> hyperlink </a:t>
-            </a:r>
-            <a:r>
-              <a:rPr lang="en-ID" sz="1400" dirty="0" err="1"/>
-              <a:t>ke</a:t>
-            </a:r>
-            <a:r>
-              <a:rPr lang="en-ID" sz="1400" dirty="0"/>
-              <a:t> </a:t>
-            </a:r>
-            <a:r>
-              <a:rPr lang="en-ID" sz="1400" dirty="0" err="1"/>
-              <a:t>gambar</a:t>
-            </a:r>
-            <a:r>
-              <a:rPr lang="en-ID" sz="1400" dirty="0"/>
-              <a:t> laptop yang </a:t>
-            </a:r>
-            <a:r>
-              <a:rPr lang="en-ID" sz="1400" dirty="0" err="1"/>
-              <a:t>sesuai</a:t>
-            </a:r>
-            <a:r>
-              <a:rPr lang="en-ID" sz="1400" dirty="0"/>
-              <a:t> </a:t>
-            </a:r>
-            <a:r>
-              <a:rPr lang="en-ID" sz="1400" dirty="0" err="1"/>
-              <a:t>dengan</a:t>
-            </a:r>
-            <a:r>
-              <a:rPr lang="en-ID" sz="1400" dirty="0"/>
-              <a:t> </a:t>
-            </a:r>
-            <a:r>
-              <a:rPr lang="en-ID" sz="1400" dirty="0" err="1"/>
-              <a:t>spesifikasi</a:t>
-            </a:r>
-            <a:r>
-              <a:rPr lang="en-ID" sz="1400" dirty="0"/>
-              <a:t> </a:t>
-            </a:r>
-            <a:r>
-              <a:rPr lang="en-ID" sz="1400" dirty="0" err="1"/>
-              <a:t>disamping</a:t>
-            </a:r>
-            <a:endParaRPr lang="en-GB" sz="1400" dirty="0"/>
           </a:p>
         </p:txBody>
       </p:sp>

--- a/files/Rules.pptx
+++ b/files/Rules.pptx
@@ -21132,7 +21132,7 @@
         </p:nvSpPr>
         <p:spPr>
           <a:xfrm>
-            <a:off x="2738644" y="1789628"/>
+            <a:off x="2261566" y="1809506"/>
             <a:ext cx="605307" cy="515154"/>
           </a:xfrm>
           <a:prstGeom prst="ellipse">
@@ -21186,7 +21186,7 @@
         </p:nvSpPr>
         <p:spPr>
           <a:xfrm>
-            <a:off x="2738644" y="4460919"/>
+            <a:off x="2261566" y="4480797"/>
             <a:ext cx="605307" cy="515154"/>
           </a:xfrm>
           <a:prstGeom prst="ellipse">
@@ -21240,7 +21240,7 @@
         </p:nvSpPr>
         <p:spPr>
           <a:xfrm>
-            <a:off x="4994859" y="1317674"/>
+            <a:off x="4517781" y="1337552"/>
             <a:ext cx="605307" cy="515154"/>
           </a:xfrm>
           <a:prstGeom prst="ellipse">
@@ -21294,7 +21294,7 @@
         </p:nvSpPr>
         <p:spPr>
           <a:xfrm>
-            <a:off x="4994859" y="2634538"/>
+            <a:off x="4517781" y="2654416"/>
             <a:ext cx="605307" cy="515154"/>
           </a:xfrm>
           <a:prstGeom prst="ellipse">
@@ -21348,7 +21348,7 @@
         </p:nvSpPr>
         <p:spPr>
           <a:xfrm>
-            <a:off x="4994859" y="1976106"/>
+            <a:off x="4517781" y="1995984"/>
             <a:ext cx="605307" cy="515154"/>
           </a:xfrm>
           <a:prstGeom prst="ellipse">
@@ -21402,7 +21402,7 @@
         </p:nvSpPr>
         <p:spPr>
           <a:xfrm>
-            <a:off x="3929395" y="3544910"/>
+            <a:off x="3452317" y="3564788"/>
             <a:ext cx="757707" cy="515154"/>
           </a:xfrm>
           <a:prstGeom prst="ellipse">
@@ -21456,7 +21456,7 @@
         </p:nvSpPr>
         <p:spPr>
           <a:xfrm>
-            <a:off x="3927246" y="4203342"/>
+            <a:off x="3450168" y="4223220"/>
             <a:ext cx="757707" cy="515154"/>
           </a:xfrm>
           <a:prstGeom prst="ellipse">
@@ -21510,7 +21510,7 @@
         </p:nvSpPr>
         <p:spPr>
           <a:xfrm>
-            <a:off x="3927245" y="4861774"/>
+            <a:off x="3450167" y="4881652"/>
             <a:ext cx="757707" cy="515154"/>
           </a:xfrm>
           <a:prstGeom prst="ellipse">
@@ -21564,7 +21564,7 @@
         </p:nvSpPr>
         <p:spPr>
           <a:xfrm>
-            <a:off x="3927244" y="5520206"/>
+            <a:off x="3450166" y="5540084"/>
             <a:ext cx="757707" cy="515154"/>
           </a:xfrm>
           <a:prstGeom prst="ellipse">
@@ -21618,7 +21618,7 @@
         </p:nvSpPr>
         <p:spPr>
           <a:xfrm>
-            <a:off x="6026512" y="3544910"/>
+            <a:off x="5549434" y="3564788"/>
             <a:ext cx="757707" cy="515154"/>
           </a:xfrm>
           <a:prstGeom prst="ellipse">
@@ -21672,7 +21672,7 @@
         </p:nvSpPr>
         <p:spPr>
           <a:xfrm>
-            <a:off x="6026512" y="4203342"/>
+            <a:off x="5549434" y="4223220"/>
             <a:ext cx="757707" cy="515154"/>
           </a:xfrm>
           <a:prstGeom prst="ellipse">
@@ -21726,7 +21726,7 @@
         </p:nvSpPr>
         <p:spPr>
           <a:xfrm>
-            <a:off x="6026512" y="4861774"/>
+            <a:off x="5549434" y="4881652"/>
             <a:ext cx="757707" cy="515154"/>
           </a:xfrm>
           <a:prstGeom prst="ellipse">
@@ -21780,7 +21780,7 @@
         </p:nvSpPr>
         <p:spPr>
           <a:xfrm>
-            <a:off x="6026512" y="5520206"/>
+            <a:off x="5549434" y="5540084"/>
             <a:ext cx="757707" cy="515154"/>
           </a:xfrm>
           <a:prstGeom prst="ellipse">
@@ -21834,7 +21834,7 @@
         </p:nvSpPr>
         <p:spPr>
           <a:xfrm>
-            <a:off x="7787427" y="2795790"/>
+            <a:off x="7310349" y="2815668"/>
             <a:ext cx="716926" cy="515154"/>
           </a:xfrm>
           <a:prstGeom prst="ellipse">
@@ -21888,7 +21888,7 @@
         </p:nvSpPr>
         <p:spPr>
           <a:xfrm>
-            <a:off x="9369382" y="2795790"/>
+            <a:off x="8574252" y="2805036"/>
             <a:ext cx="605307" cy="515154"/>
           </a:xfrm>
           <a:prstGeom prst="ellipse">
@@ -21942,7 +21942,7 @@
         </p:nvSpPr>
         <p:spPr>
           <a:xfrm>
-            <a:off x="9369382" y="3454222"/>
+            <a:off x="8574252" y="3463468"/>
             <a:ext cx="605307" cy="515154"/>
           </a:xfrm>
           <a:prstGeom prst="ellipse">
@@ -21996,7 +21996,7 @@
         </p:nvSpPr>
         <p:spPr>
           <a:xfrm>
-            <a:off x="7787427" y="3429000"/>
+            <a:off x="7310349" y="3448878"/>
             <a:ext cx="716926" cy="515154"/>
           </a:xfrm>
           <a:prstGeom prst="ellipse">
@@ -22053,7 +22053,7 @@
         </p:nvCxnSpPr>
         <p:spPr>
           <a:xfrm flipV="1">
-            <a:off x="3343951" y="1575251"/>
+            <a:off x="2866873" y="1595129"/>
             <a:ext cx="1650908" cy="471954"/>
           </a:xfrm>
           <a:prstGeom prst="straightConnector1">
@@ -22101,7 +22101,7 @@
         </p:nvCxnSpPr>
         <p:spPr>
           <a:xfrm>
-            <a:off x="3343951" y="2047205"/>
+            <a:off x="2866873" y="2067083"/>
             <a:ext cx="1650908" cy="186478"/>
           </a:xfrm>
           <a:prstGeom prst="straightConnector1">
@@ -22149,7 +22149,7 @@
         </p:nvCxnSpPr>
         <p:spPr>
           <a:xfrm>
-            <a:off x="3343951" y="2047205"/>
+            <a:off x="2866873" y="2067083"/>
             <a:ext cx="1650908" cy="844910"/>
           </a:xfrm>
           <a:prstGeom prst="straightConnector1">
@@ -22197,7 +22197,7 @@
         </p:nvCxnSpPr>
         <p:spPr>
           <a:xfrm flipV="1">
-            <a:off x="3343951" y="3802487"/>
+            <a:off x="2866873" y="3822365"/>
             <a:ext cx="585444" cy="916009"/>
           </a:xfrm>
           <a:prstGeom prst="straightConnector1">
@@ -22245,7 +22245,7 @@
         </p:nvCxnSpPr>
         <p:spPr>
           <a:xfrm flipV="1">
-            <a:off x="3343951" y="4460919"/>
+            <a:off x="2866873" y="4480797"/>
             <a:ext cx="583295" cy="257577"/>
           </a:xfrm>
           <a:prstGeom prst="straightConnector1">
@@ -22293,7 +22293,7 @@
         </p:nvCxnSpPr>
         <p:spPr>
           <a:xfrm>
-            <a:off x="3343951" y="4718496"/>
+            <a:off x="2866873" y="4738374"/>
             <a:ext cx="583294" cy="400855"/>
           </a:xfrm>
           <a:prstGeom prst="straightConnector1">
@@ -22341,7 +22341,7 @@
         </p:nvCxnSpPr>
         <p:spPr>
           <a:xfrm>
-            <a:off x="3343951" y="4718496"/>
+            <a:off x="2866873" y="4738374"/>
             <a:ext cx="583293" cy="1059287"/>
           </a:xfrm>
           <a:prstGeom prst="straightConnector1">
@@ -22389,7 +22389,7 @@
         </p:nvCxnSpPr>
         <p:spPr>
           <a:xfrm>
-            <a:off x="4687102" y="3802487"/>
+            <a:off x="4210024" y="3822365"/>
             <a:ext cx="1339410" cy="0"/>
           </a:xfrm>
           <a:prstGeom prst="straightConnector1">
@@ -22437,7 +22437,7 @@
         </p:nvCxnSpPr>
         <p:spPr>
           <a:xfrm>
-            <a:off x="4684953" y="4460919"/>
+            <a:off x="4207875" y="4480797"/>
             <a:ext cx="1341559" cy="0"/>
           </a:xfrm>
           <a:prstGeom prst="straightConnector1">
@@ -22485,7 +22485,7 @@
         </p:nvCxnSpPr>
         <p:spPr>
           <a:xfrm>
-            <a:off x="4684952" y="5119351"/>
+            <a:off x="4207874" y="5139229"/>
             <a:ext cx="1341560" cy="0"/>
           </a:xfrm>
           <a:prstGeom prst="straightConnector1">
@@ -22533,7 +22533,7 @@
         </p:nvCxnSpPr>
         <p:spPr>
           <a:xfrm>
-            <a:off x="4684951" y="5777783"/>
+            <a:off x="4207873" y="5797661"/>
             <a:ext cx="1341561" cy="0"/>
           </a:xfrm>
           <a:prstGeom prst="straightConnector1">
@@ -22581,7 +22581,7 @@
         </p:nvCxnSpPr>
         <p:spPr>
           <a:xfrm>
-            <a:off x="4687102" y="3802487"/>
+            <a:off x="4210024" y="3822365"/>
             <a:ext cx="1339410" cy="658432"/>
           </a:xfrm>
           <a:prstGeom prst="straightConnector1">
@@ -22629,7 +22629,7 @@
         </p:nvCxnSpPr>
         <p:spPr>
           <a:xfrm>
-            <a:off x="4684953" y="4460919"/>
+            <a:off x="4207875" y="4480797"/>
             <a:ext cx="1341559" cy="658432"/>
           </a:xfrm>
           <a:prstGeom prst="straightConnector1">
@@ -22677,7 +22677,7 @@
         </p:nvCxnSpPr>
         <p:spPr>
           <a:xfrm>
-            <a:off x="4687102" y="3802487"/>
+            <a:off x="4210024" y="3822365"/>
             <a:ext cx="1339410" cy="1975296"/>
           </a:xfrm>
           <a:prstGeom prst="straightConnector1">
@@ -22725,7 +22725,7 @@
         </p:nvCxnSpPr>
         <p:spPr>
           <a:xfrm flipV="1">
-            <a:off x="4684953" y="3802487"/>
+            <a:off x="4207875" y="3822365"/>
             <a:ext cx="1341559" cy="658432"/>
           </a:xfrm>
           <a:prstGeom prst="straightConnector1">
@@ -22773,7 +22773,7 @@
         </p:nvCxnSpPr>
         <p:spPr>
           <a:xfrm>
-            <a:off x="4684953" y="4460919"/>
+            <a:off x="4207875" y="4480797"/>
             <a:ext cx="1341559" cy="1316864"/>
           </a:xfrm>
           <a:prstGeom prst="straightConnector1">
@@ -22821,7 +22821,7 @@
         </p:nvCxnSpPr>
         <p:spPr>
           <a:xfrm>
-            <a:off x="4687102" y="3802487"/>
+            <a:off x="4210024" y="3822365"/>
             <a:ext cx="1339410" cy="1316864"/>
           </a:xfrm>
           <a:prstGeom prst="straightConnector1">
@@ -22869,7 +22869,7 @@
         </p:nvCxnSpPr>
         <p:spPr>
           <a:xfrm flipV="1">
-            <a:off x="4684952" y="3802487"/>
+            <a:off x="4207874" y="3822365"/>
             <a:ext cx="1341560" cy="1316864"/>
           </a:xfrm>
           <a:prstGeom prst="straightConnector1">
@@ -22917,7 +22917,7 @@
         </p:nvCxnSpPr>
         <p:spPr>
           <a:xfrm flipV="1">
-            <a:off x="4684952" y="4460919"/>
+            <a:off x="4207874" y="4480797"/>
             <a:ext cx="1341560" cy="658432"/>
           </a:xfrm>
           <a:prstGeom prst="straightConnector1">
@@ -22965,7 +22965,7 @@
         </p:nvCxnSpPr>
         <p:spPr>
           <a:xfrm>
-            <a:off x="4684952" y="5119351"/>
+            <a:off x="4207874" y="5139229"/>
             <a:ext cx="1341560" cy="658432"/>
           </a:xfrm>
           <a:prstGeom prst="straightConnector1">
@@ -23013,7 +23013,7 @@
         </p:nvCxnSpPr>
         <p:spPr>
           <a:xfrm flipV="1">
-            <a:off x="4684951" y="5119351"/>
+            <a:off x="4207873" y="5139229"/>
             <a:ext cx="1341561" cy="658432"/>
           </a:xfrm>
           <a:prstGeom prst="straightConnector1">
@@ -23061,7 +23061,7 @@
         </p:nvCxnSpPr>
         <p:spPr>
           <a:xfrm flipV="1">
-            <a:off x="4684951" y="4460919"/>
+            <a:off x="4207873" y="4480797"/>
             <a:ext cx="1341561" cy="1316864"/>
           </a:xfrm>
           <a:prstGeom prst="straightConnector1">
@@ -23109,7 +23109,7 @@
         </p:nvCxnSpPr>
         <p:spPr>
           <a:xfrm flipV="1">
-            <a:off x="4684951" y="3802487"/>
+            <a:off x="4207873" y="3822365"/>
             <a:ext cx="1341561" cy="1975296"/>
           </a:xfrm>
           <a:prstGeom prst="straightConnector1">
@@ -23157,7 +23157,7 @@
         </p:nvCxnSpPr>
         <p:spPr>
           <a:xfrm>
-            <a:off x="5600166" y="1575251"/>
+            <a:off x="5123088" y="1595129"/>
             <a:ext cx="2187261" cy="1478116"/>
           </a:xfrm>
           <a:prstGeom prst="straightConnector1">
@@ -23205,7 +23205,7 @@
         </p:nvCxnSpPr>
         <p:spPr>
           <a:xfrm>
-            <a:off x="5600166" y="1575251"/>
+            <a:off x="5123088" y="1595129"/>
             <a:ext cx="2187261" cy="2111326"/>
           </a:xfrm>
           <a:prstGeom prst="straightConnector1">
@@ -23253,7 +23253,7 @@
         </p:nvCxnSpPr>
         <p:spPr>
           <a:xfrm>
-            <a:off x="5600166" y="2233683"/>
+            <a:off x="5123088" y="2253561"/>
             <a:ext cx="2187261" cy="819684"/>
           </a:xfrm>
           <a:prstGeom prst="straightConnector1">
@@ -23301,7 +23301,7 @@
         </p:nvCxnSpPr>
         <p:spPr>
           <a:xfrm>
-            <a:off x="5600166" y="2233683"/>
+            <a:off x="5123088" y="2253561"/>
             <a:ext cx="2187261" cy="1452894"/>
           </a:xfrm>
           <a:prstGeom prst="straightConnector1">
@@ -23349,7 +23349,7 @@
         </p:nvCxnSpPr>
         <p:spPr>
           <a:xfrm>
-            <a:off x="5600166" y="2892115"/>
+            <a:off x="5123088" y="2911993"/>
             <a:ext cx="2187261" cy="794462"/>
           </a:xfrm>
           <a:prstGeom prst="straightConnector1">
@@ -23397,7 +23397,7 @@
         </p:nvCxnSpPr>
         <p:spPr>
           <a:xfrm>
-            <a:off x="5600166" y="2892115"/>
+            <a:off x="5123088" y="2911993"/>
             <a:ext cx="2187261" cy="161252"/>
           </a:xfrm>
           <a:prstGeom prst="straightConnector1">
@@ -23445,7 +23445,7 @@
         </p:nvCxnSpPr>
         <p:spPr>
           <a:xfrm flipV="1">
-            <a:off x="6784219" y="3053367"/>
+            <a:off x="6307141" y="3073245"/>
             <a:ext cx="1003208" cy="749120"/>
           </a:xfrm>
           <a:prstGeom prst="straightConnector1">
@@ -23493,7 +23493,7 @@
         </p:nvCxnSpPr>
         <p:spPr>
           <a:xfrm flipV="1">
-            <a:off x="6784219" y="3686577"/>
+            <a:off x="6307141" y="3706455"/>
             <a:ext cx="1003208" cy="115910"/>
           </a:xfrm>
           <a:prstGeom prst="straightConnector1">
@@ -23541,7 +23541,7 @@
         </p:nvCxnSpPr>
         <p:spPr>
           <a:xfrm flipV="1">
-            <a:off x="6784219" y="3053367"/>
+            <a:off x="6307141" y="3073245"/>
             <a:ext cx="1003208" cy="1407552"/>
           </a:xfrm>
           <a:prstGeom prst="straightConnector1">
@@ -23589,7 +23589,7 @@
         </p:nvCxnSpPr>
         <p:spPr>
           <a:xfrm flipV="1">
-            <a:off x="6784219" y="3686577"/>
+            <a:off x="6307141" y="3706455"/>
             <a:ext cx="1003208" cy="774342"/>
           </a:xfrm>
           <a:prstGeom prst="straightConnector1">
@@ -23637,7 +23637,7 @@
         </p:nvCxnSpPr>
         <p:spPr>
           <a:xfrm flipV="1">
-            <a:off x="6784219" y="3053367"/>
+            <a:off x="6307141" y="3073245"/>
             <a:ext cx="1003208" cy="2065984"/>
           </a:xfrm>
           <a:prstGeom prst="straightConnector1">
@@ -23685,7 +23685,7 @@
         </p:nvCxnSpPr>
         <p:spPr>
           <a:xfrm flipV="1">
-            <a:off x="6784219" y="3686577"/>
+            <a:off x="6307141" y="3706455"/>
             <a:ext cx="1003208" cy="1432774"/>
           </a:xfrm>
           <a:prstGeom prst="straightConnector1">
@@ -23733,7 +23733,7 @@
         </p:nvCxnSpPr>
         <p:spPr>
           <a:xfrm flipV="1">
-            <a:off x="6784219" y="3053367"/>
+            <a:off x="6307141" y="3073245"/>
             <a:ext cx="1003208" cy="2724416"/>
           </a:xfrm>
           <a:prstGeom prst="straightConnector1">
@@ -23781,7 +23781,7 @@
         </p:nvCxnSpPr>
         <p:spPr>
           <a:xfrm flipV="1">
-            <a:off x="6784219" y="3686577"/>
+            <a:off x="6307141" y="3706455"/>
             <a:ext cx="1003208" cy="2091206"/>
           </a:xfrm>
           <a:prstGeom prst="straightConnector1">
@@ -23829,8 +23829,8 @@
         </p:nvCxnSpPr>
         <p:spPr>
           <a:xfrm>
-            <a:off x="8504353" y="3053367"/>
-            <a:ext cx="865029" cy="658432"/>
+            <a:off x="8027275" y="3073245"/>
+            <a:ext cx="546977" cy="647800"/>
           </a:xfrm>
           <a:prstGeom prst="straightConnector1">
             <a:avLst/>
@@ -23876,9 +23876,9 @@
           <p:nvPr/>
         </p:nvCxnSpPr>
         <p:spPr>
-          <a:xfrm>
-            <a:off x="8504353" y="3053367"/>
-            <a:ext cx="865029" cy="0"/>
+          <a:xfrm flipV="1">
+            <a:off x="8027275" y="3062613"/>
+            <a:ext cx="546977" cy="10632"/>
           </a:xfrm>
           <a:prstGeom prst="straightConnector1">
             <a:avLst/>
@@ -23925,8 +23925,8 @@
         </p:nvCxnSpPr>
         <p:spPr>
           <a:xfrm flipV="1">
-            <a:off x="8504353" y="3053367"/>
-            <a:ext cx="865029" cy="633210"/>
+            <a:off x="8027275" y="3062613"/>
+            <a:ext cx="546977" cy="643842"/>
           </a:xfrm>
           <a:prstGeom prst="straightConnector1">
             <a:avLst/>
@@ -23973,8 +23973,8 @@
         </p:nvCxnSpPr>
         <p:spPr>
           <a:xfrm>
-            <a:off x="8504353" y="3686577"/>
-            <a:ext cx="865029" cy="25222"/>
+            <a:off x="8027275" y="3706455"/>
+            <a:ext cx="546977" cy="14590"/>
           </a:xfrm>
           <a:prstGeom prst="straightConnector1">
             <a:avLst/>
@@ -24017,7 +24017,7 @@
         </p:nvSpPr>
         <p:spPr>
           <a:xfrm>
-            <a:off x="819956" y="2795790"/>
+            <a:off x="342878" y="2815668"/>
             <a:ext cx="1287887" cy="633210"/>
           </a:xfrm>
           <a:prstGeom prst="roundRect">
@@ -24076,7 +24076,7 @@
         </p:nvCxnSpPr>
         <p:spPr>
           <a:xfrm flipV="1">
-            <a:off x="2107843" y="2047205"/>
+            <a:off x="1630765" y="2067083"/>
             <a:ext cx="630801" cy="1065190"/>
           </a:xfrm>
           <a:prstGeom prst="straightConnector1">
@@ -24124,8 +24124,411 @@
         </p:nvCxnSpPr>
         <p:spPr>
           <a:xfrm>
-            <a:off x="2107843" y="3112395"/>
+            <a:off x="1630765" y="3132273"/>
             <a:ext cx="630801" cy="1606101"/>
+          </a:xfrm>
+          <a:prstGeom prst="straightConnector1">
+            <a:avLst/>
+          </a:prstGeom>
+          <a:ln>
+            <a:solidFill>
+              <a:schemeClr val="tx1">
+                <a:lumMod val="65000"/>
+              </a:schemeClr>
+            </a:solidFill>
+            <a:tailEnd type="triangle"/>
+          </a:ln>
+        </p:spPr>
+        <p:style>
+          <a:lnRef idx="2">
+            <a:schemeClr val="accent1"/>
+          </a:lnRef>
+          <a:fillRef idx="1">
+            <a:schemeClr val="lt1"/>
+          </a:fillRef>
+          <a:effectRef idx="0">
+            <a:schemeClr val="accent1"/>
+          </a:effectRef>
+          <a:fontRef idx="minor">
+            <a:schemeClr val="dk1"/>
+          </a:fontRef>
+        </p:style>
+      </p:cxnSp>
+      <p:sp>
+        <p:nvSpPr>
+          <p:cNvPr id="2" name="Rectangle 1"/>
+          <p:cNvSpPr/>
+          <p:nvPr/>
+        </p:nvSpPr>
+        <p:spPr>
+          <a:xfrm>
+            <a:off x="2261565" y="1057557"/>
+            <a:ext cx="605307" cy="551521"/>
+          </a:xfrm>
+          <a:prstGeom prst="rect">
+            <a:avLst/>
+          </a:prstGeom>
+        </p:spPr>
+        <p:style>
+          <a:lnRef idx="2">
+            <a:schemeClr val="accent1">
+              <a:shade val="50000"/>
+            </a:schemeClr>
+          </a:lnRef>
+          <a:fillRef idx="1">
+            <a:schemeClr val="accent1"/>
+          </a:fillRef>
+          <a:effectRef idx="0">
+            <a:schemeClr val="accent1"/>
+          </a:effectRef>
+          <a:fontRef idx="minor">
+            <a:schemeClr val="lt1"/>
+          </a:fontRef>
+        </p:style>
+        <p:txBody>
+          <a:bodyPr rtlCol="0" anchor="ctr"/>
+          <a:lstStyle/>
+          <a:p>
+            <a:pPr algn="ctr"/>
+            <a:r>
+              <a:rPr lang="en-ID" dirty="0" smtClean="0"/>
+              <a:t>0</a:t>
+            </a:r>
+            <a:endParaRPr lang="en-GB" dirty="0"/>
+          </a:p>
+        </p:txBody>
+      </p:sp>
+      <p:sp>
+        <p:nvSpPr>
+          <p:cNvPr id="64" name="Rectangle 63"/>
+          <p:cNvSpPr/>
+          <p:nvPr/>
+        </p:nvSpPr>
+        <p:spPr>
+          <a:xfrm>
+            <a:off x="4517780" y="639797"/>
+            <a:ext cx="605307" cy="551521"/>
+          </a:xfrm>
+          <a:prstGeom prst="rect">
+            <a:avLst/>
+          </a:prstGeom>
+        </p:spPr>
+        <p:style>
+          <a:lnRef idx="2">
+            <a:schemeClr val="accent1">
+              <a:shade val="50000"/>
+            </a:schemeClr>
+          </a:lnRef>
+          <a:fillRef idx="1">
+            <a:schemeClr val="accent1"/>
+          </a:fillRef>
+          <a:effectRef idx="0">
+            <a:schemeClr val="accent1"/>
+          </a:effectRef>
+          <a:fontRef idx="minor">
+            <a:schemeClr val="lt1"/>
+          </a:fontRef>
+        </p:style>
+        <p:txBody>
+          <a:bodyPr rtlCol="0" anchor="ctr"/>
+          <a:lstStyle/>
+          <a:p>
+            <a:pPr algn="ctr"/>
+            <a:r>
+              <a:rPr lang="en-ID" dirty="0"/>
+              <a:t>1</a:t>
+            </a:r>
+            <a:endParaRPr lang="en-GB" dirty="0"/>
+          </a:p>
+        </p:txBody>
+      </p:sp>
+      <p:sp>
+        <p:nvSpPr>
+          <p:cNvPr id="66" name="Rectangle 65"/>
+          <p:cNvSpPr/>
+          <p:nvPr/>
+        </p:nvSpPr>
+        <p:spPr>
+          <a:xfrm>
+            <a:off x="3526365" y="2922579"/>
+            <a:ext cx="605307" cy="551521"/>
+          </a:xfrm>
+          <a:prstGeom prst="rect">
+            <a:avLst/>
+          </a:prstGeom>
+        </p:spPr>
+        <p:style>
+          <a:lnRef idx="2">
+            <a:schemeClr val="accent1">
+              <a:shade val="50000"/>
+            </a:schemeClr>
+          </a:lnRef>
+          <a:fillRef idx="1">
+            <a:schemeClr val="accent1"/>
+          </a:fillRef>
+          <a:effectRef idx="0">
+            <a:schemeClr val="accent1"/>
+          </a:effectRef>
+          <a:fontRef idx="minor">
+            <a:schemeClr val="lt1"/>
+          </a:fontRef>
+        </p:style>
+        <p:txBody>
+          <a:bodyPr rtlCol="0" anchor="ctr"/>
+          <a:lstStyle/>
+          <a:p>
+            <a:pPr algn="ctr"/>
+            <a:r>
+              <a:rPr lang="en-ID" dirty="0" smtClean="0"/>
+              <a:t>2</a:t>
+            </a:r>
+            <a:endParaRPr lang="en-GB" dirty="0"/>
+          </a:p>
+        </p:txBody>
+      </p:sp>
+      <p:sp>
+        <p:nvSpPr>
+          <p:cNvPr id="67" name="Rectangle 66"/>
+          <p:cNvSpPr/>
+          <p:nvPr/>
+        </p:nvSpPr>
+        <p:spPr>
+          <a:xfrm>
+            <a:off x="5625634" y="2959812"/>
+            <a:ext cx="605307" cy="551521"/>
+          </a:xfrm>
+          <a:prstGeom prst="rect">
+            <a:avLst/>
+          </a:prstGeom>
+        </p:spPr>
+        <p:style>
+          <a:lnRef idx="2">
+            <a:schemeClr val="accent1">
+              <a:shade val="50000"/>
+            </a:schemeClr>
+          </a:lnRef>
+          <a:fillRef idx="1">
+            <a:schemeClr val="accent1"/>
+          </a:fillRef>
+          <a:effectRef idx="0">
+            <a:schemeClr val="accent1"/>
+          </a:effectRef>
+          <a:fontRef idx="minor">
+            <a:schemeClr val="lt1"/>
+          </a:fontRef>
+        </p:style>
+        <p:txBody>
+          <a:bodyPr rtlCol="0" anchor="ctr"/>
+          <a:lstStyle/>
+          <a:p>
+            <a:pPr algn="ctr"/>
+            <a:r>
+              <a:rPr lang="en-ID" dirty="0"/>
+              <a:t>3</a:t>
+            </a:r>
+            <a:endParaRPr lang="en-GB" dirty="0"/>
+          </a:p>
+        </p:txBody>
+      </p:sp>
+      <p:sp>
+        <p:nvSpPr>
+          <p:cNvPr id="69" name="Rectangle 68"/>
+          <p:cNvSpPr/>
+          <p:nvPr/>
+        </p:nvSpPr>
+        <p:spPr>
+          <a:xfrm>
+            <a:off x="7366158" y="2111882"/>
+            <a:ext cx="605307" cy="551521"/>
+          </a:xfrm>
+          <a:prstGeom prst="rect">
+            <a:avLst/>
+          </a:prstGeom>
+        </p:spPr>
+        <p:style>
+          <a:lnRef idx="2">
+            <a:schemeClr val="accent1">
+              <a:shade val="50000"/>
+            </a:schemeClr>
+          </a:lnRef>
+          <a:fillRef idx="1">
+            <a:schemeClr val="accent1"/>
+          </a:fillRef>
+          <a:effectRef idx="0">
+            <a:schemeClr val="accent1"/>
+          </a:effectRef>
+          <a:fontRef idx="minor">
+            <a:schemeClr val="lt1"/>
+          </a:fontRef>
+        </p:style>
+        <p:txBody>
+          <a:bodyPr rtlCol="0" anchor="ctr"/>
+          <a:lstStyle/>
+          <a:p>
+            <a:pPr algn="ctr"/>
+            <a:r>
+              <a:rPr lang="en-ID" dirty="0" smtClean="0"/>
+              <a:t>4</a:t>
+            </a:r>
+            <a:endParaRPr lang="en-GB" dirty="0"/>
+          </a:p>
+        </p:txBody>
+      </p:sp>
+      <p:sp>
+        <p:nvSpPr>
+          <p:cNvPr id="70" name="Rectangle 69"/>
+          <p:cNvSpPr/>
+          <p:nvPr/>
+        </p:nvSpPr>
+        <p:spPr>
+          <a:xfrm>
+            <a:off x="8574251" y="2102895"/>
+            <a:ext cx="605307" cy="551521"/>
+          </a:xfrm>
+          <a:prstGeom prst="rect">
+            <a:avLst/>
+          </a:prstGeom>
+        </p:spPr>
+        <p:style>
+          <a:lnRef idx="2">
+            <a:schemeClr val="accent1">
+              <a:shade val="50000"/>
+            </a:schemeClr>
+          </a:lnRef>
+          <a:fillRef idx="1">
+            <a:schemeClr val="accent1"/>
+          </a:fillRef>
+          <a:effectRef idx="0">
+            <a:schemeClr val="accent1"/>
+          </a:effectRef>
+          <a:fontRef idx="minor">
+            <a:schemeClr val="lt1"/>
+          </a:fontRef>
+        </p:style>
+        <p:txBody>
+          <a:bodyPr rtlCol="0" anchor="ctr"/>
+          <a:lstStyle/>
+          <a:p>
+            <a:pPr algn="ctr"/>
+            <a:r>
+              <a:rPr lang="en-ID" dirty="0"/>
+              <a:t>5</a:t>
+            </a:r>
+            <a:endParaRPr lang="en-GB" dirty="0"/>
+          </a:p>
+        </p:txBody>
+      </p:sp>
+      <p:sp>
+        <p:nvSpPr>
+          <p:cNvPr id="13" name="Rounded Rectangle 12"/>
+          <p:cNvSpPr/>
+          <p:nvPr/>
+        </p:nvSpPr>
+        <p:spPr>
+          <a:xfrm>
+            <a:off x="10098156" y="2854731"/>
+            <a:ext cx="1798983" cy="1052039"/>
+          </a:xfrm>
+          <a:prstGeom prst="roundRect">
+            <a:avLst/>
+          </a:prstGeom>
+          <a:ln w="57150"/>
+        </p:spPr>
+        <p:style>
+          <a:lnRef idx="2">
+            <a:schemeClr val="accent3"/>
+          </a:lnRef>
+          <a:fillRef idx="1">
+            <a:schemeClr val="lt1"/>
+          </a:fillRef>
+          <a:effectRef idx="0">
+            <a:schemeClr val="accent3"/>
+          </a:effectRef>
+          <a:fontRef idx="minor">
+            <a:schemeClr val="dk1"/>
+          </a:fontRef>
+        </p:style>
+        <p:txBody>
+          <a:bodyPr rtlCol="0" anchor="ctr"/>
+          <a:lstStyle/>
+          <a:p>
+            <a:pPr algn="ctr"/>
+            <a:r>
+              <a:rPr lang="en-GB" dirty="0" err="1" smtClean="0"/>
+              <a:t>Rekomendasi</a:t>
+            </a:r>
+            <a:endParaRPr lang="en-GB" dirty="0"/>
+          </a:p>
+        </p:txBody>
+      </p:sp>
+      <p:cxnSp>
+        <p:nvCxnSpPr>
+          <p:cNvPr id="75" name="Straight Arrow Connector 74">
+            <a:extLst>
+              <a:ext uri="{FF2B5EF4-FFF2-40B4-BE49-F238E27FC236}">
+                <a16:creationId xmlns:a16="http://schemas.microsoft.com/office/drawing/2014/main" id="{3B96E44A-0351-4361-B29B-67FF61D0A969}"/>
+              </a:ext>
+            </a:extLst>
+          </p:cNvPr>
+          <p:cNvCxnSpPr>
+            <a:cxnSpLocks/>
+            <a:stCxn id="24" idx="6"/>
+            <a:endCxn id="13" idx="1"/>
+          </p:cNvCxnSpPr>
+          <p:nvPr/>
+        </p:nvCxnSpPr>
+        <p:spPr>
+          <a:xfrm>
+            <a:off x="9179559" y="3062613"/>
+            <a:ext cx="918597" cy="318138"/>
+          </a:xfrm>
+          <a:prstGeom prst="straightConnector1">
+            <a:avLst/>
+          </a:prstGeom>
+          <a:ln>
+            <a:solidFill>
+              <a:schemeClr val="tx1">
+                <a:lumMod val="65000"/>
+              </a:schemeClr>
+            </a:solidFill>
+            <a:tailEnd type="triangle"/>
+          </a:ln>
+        </p:spPr>
+        <p:style>
+          <a:lnRef idx="2">
+            <a:schemeClr val="accent1"/>
+          </a:lnRef>
+          <a:fillRef idx="1">
+            <a:schemeClr val="lt1"/>
+          </a:fillRef>
+          <a:effectRef idx="0">
+            <a:schemeClr val="accent1"/>
+          </a:effectRef>
+          <a:fontRef idx="minor">
+            <a:schemeClr val="dk1"/>
+          </a:fontRef>
+        </p:style>
+      </p:cxnSp>
+      <p:cxnSp>
+        <p:nvCxnSpPr>
+          <p:cNvPr id="78" name="Straight Arrow Connector 77">
+            <a:extLst>
+              <a:ext uri="{FF2B5EF4-FFF2-40B4-BE49-F238E27FC236}">
+                <a16:creationId xmlns:a16="http://schemas.microsoft.com/office/drawing/2014/main" id="{3B96E44A-0351-4361-B29B-67FF61D0A969}"/>
+              </a:ext>
+            </a:extLst>
+          </p:cNvPr>
+          <p:cNvCxnSpPr>
+            <a:cxnSpLocks/>
+            <a:stCxn id="25" idx="6"/>
+            <a:endCxn id="13" idx="1"/>
+          </p:cNvCxnSpPr>
+          <p:nvPr/>
+        </p:nvCxnSpPr>
+        <p:spPr>
+          <a:xfrm flipV="1">
+            <a:off x="9179559" y="3380751"/>
+            <a:ext cx="918597" cy="340294"/>
           </a:xfrm>
           <a:prstGeom prst="straightConnector1">
             <a:avLst/>

--- a/files/Rules.pptx
+++ b/files/Rules.pptx
@@ -712,7 +712,7 @@
           <a:noFill/>
           <a:extLst>
             <a:ext uri="{909E8E84-426E-40dd-AFC4-6F175D3DCCD1}">
-              <a14:hiddenFill xmlns:a14="http://schemas.microsoft.com/office/drawing/2010/main" xmlns="">
+              <a14:hiddenFill xmlns="" xmlns:a14="http://schemas.microsoft.com/office/drawing/2010/main">
                 <a:solidFill>
                   <a:srgbClr val="FFFFFF"/>
                 </a:solidFill>
@@ -772,7 +772,7 @@
             </a:ln>
             <a:extLst>
               <a:ext uri="{91240B29-F687-4f45-9708-019B960494DF}">
-                <a14:hiddenLine xmlns:a14="http://schemas.microsoft.com/office/drawing/2010/main" xmlns="" w="9525">
+                <a14:hiddenLine xmlns="" xmlns:a14="http://schemas.microsoft.com/office/drawing/2010/main" w="9525">
                   <a:solidFill>
                     <a:srgbClr val="000000"/>
                   </a:solidFill>
@@ -862,7 +862,7 @@
             </a:ln>
             <a:extLst>
               <a:ext uri="{91240B29-F687-4f45-9708-019B960494DF}">
-                <a14:hiddenLine xmlns:a14="http://schemas.microsoft.com/office/drawing/2010/main" xmlns="" w="9525">
+                <a14:hiddenLine xmlns="" xmlns:a14="http://schemas.microsoft.com/office/drawing/2010/main" w="9525">
                   <a:solidFill>
                     <a:srgbClr val="000000"/>
                   </a:solidFill>
@@ -952,7 +952,7 @@
             </a:ln>
             <a:extLst>
               <a:ext uri="{91240B29-F687-4f45-9708-019B960494DF}">
-                <a14:hiddenLine xmlns:a14="http://schemas.microsoft.com/office/drawing/2010/main" xmlns="" w="9525">
+                <a14:hiddenLine xmlns="" xmlns:a14="http://schemas.microsoft.com/office/drawing/2010/main" w="9525">
                   <a:solidFill>
                     <a:srgbClr val="000000"/>
                   </a:solidFill>
@@ -986,7 +986,7 @@
             </a:ln>
             <a:extLst>
               <a:ext uri="{91240B29-F687-4f45-9708-019B960494DF}">
-                <a14:hiddenLine xmlns:a14="http://schemas.microsoft.com/office/drawing/2010/main" xmlns="" w="9525">
+                <a14:hiddenLine xmlns="" xmlns:a14="http://schemas.microsoft.com/office/drawing/2010/main" w="9525">
                   <a:solidFill>
                     <a:srgbClr val="000000"/>
                   </a:solidFill>
@@ -1076,7 +1076,7 @@
             </a:ln>
             <a:extLst>
               <a:ext uri="{91240B29-F687-4f45-9708-019B960494DF}">
-                <a14:hiddenLine xmlns:a14="http://schemas.microsoft.com/office/drawing/2010/main" xmlns="" w="9525">
+                <a14:hiddenLine xmlns="" xmlns:a14="http://schemas.microsoft.com/office/drawing/2010/main" w="9525">
                   <a:solidFill>
                     <a:srgbClr val="000000"/>
                   </a:solidFill>
@@ -1138,7 +1138,7 @@
             </a:ln>
             <a:extLst>
               <a:ext uri="{91240B29-F687-4f45-9708-019B960494DF}">
-                <a14:hiddenLine xmlns:a14="http://schemas.microsoft.com/office/drawing/2010/main" xmlns="" w="9525">
+                <a14:hiddenLine xmlns="" xmlns:a14="http://schemas.microsoft.com/office/drawing/2010/main" w="9525">
                   <a:solidFill>
                     <a:srgbClr val="000000"/>
                   </a:solidFill>
@@ -1200,7 +1200,7 @@
             </a:ln>
             <a:extLst>
               <a:ext uri="{91240B29-F687-4f45-9708-019B960494DF}">
-                <a14:hiddenLine xmlns:a14="http://schemas.microsoft.com/office/drawing/2010/main" xmlns="" w="9525">
+                <a14:hiddenLine xmlns="" xmlns:a14="http://schemas.microsoft.com/office/drawing/2010/main" w="9525">
                   <a:solidFill>
                     <a:srgbClr val="000000"/>
                   </a:solidFill>
@@ -1290,7 +1290,7 @@
             </a:ln>
             <a:extLst>
               <a:ext uri="{91240B29-F687-4f45-9708-019B960494DF}">
-                <a14:hiddenLine xmlns:a14="http://schemas.microsoft.com/office/drawing/2010/main" xmlns="" w="9525">
+                <a14:hiddenLine xmlns="" xmlns:a14="http://schemas.microsoft.com/office/drawing/2010/main" w="9525">
                   <a:solidFill>
                     <a:srgbClr val="000000"/>
                   </a:solidFill>
@@ -1352,7 +1352,7 @@
             </a:ln>
             <a:extLst>
               <a:ext uri="{91240B29-F687-4f45-9708-019B960494DF}">
-                <a14:hiddenLine xmlns:a14="http://schemas.microsoft.com/office/drawing/2010/main" xmlns="" w="9525">
+                <a14:hiddenLine xmlns="" xmlns:a14="http://schemas.microsoft.com/office/drawing/2010/main" w="9525">
                   <a:solidFill>
                     <a:srgbClr val="000000"/>
                   </a:solidFill>
@@ -1414,7 +1414,7 @@
             </a:ln>
             <a:extLst>
               <a:ext uri="{91240B29-F687-4f45-9708-019B960494DF}">
-                <a14:hiddenLine xmlns:a14="http://schemas.microsoft.com/office/drawing/2010/main" xmlns="" w="9525">
+                <a14:hiddenLine xmlns="" xmlns:a14="http://schemas.microsoft.com/office/drawing/2010/main" w="9525">
                   <a:solidFill>
                     <a:srgbClr val="000000"/>
                   </a:solidFill>
@@ -1504,7 +1504,7 @@
             </a:ln>
             <a:extLst>
               <a:ext uri="{91240B29-F687-4f45-9708-019B960494DF}">
-                <a14:hiddenLine xmlns:a14="http://schemas.microsoft.com/office/drawing/2010/main" xmlns="" w="9525">
+                <a14:hiddenLine xmlns="" xmlns:a14="http://schemas.microsoft.com/office/drawing/2010/main" w="9525">
                   <a:solidFill>
                     <a:srgbClr val="000000"/>
                   </a:solidFill>
@@ -1594,7 +1594,7 @@
             </a:ln>
             <a:extLst>
               <a:ext uri="{91240B29-F687-4f45-9708-019B960494DF}">
-                <a14:hiddenLine xmlns:a14="http://schemas.microsoft.com/office/drawing/2010/main" xmlns="" w="9525">
+                <a14:hiddenLine xmlns="" xmlns:a14="http://schemas.microsoft.com/office/drawing/2010/main" w="9525">
                   <a:solidFill>
                     <a:srgbClr val="000000"/>
                   </a:solidFill>
@@ -1656,7 +1656,7 @@
             </a:ln>
             <a:extLst>
               <a:ext uri="{91240B29-F687-4f45-9708-019B960494DF}">
-                <a14:hiddenLine xmlns:a14="http://schemas.microsoft.com/office/drawing/2010/main" xmlns="" w="9525">
+                <a14:hiddenLine xmlns="" xmlns:a14="http://schemas.microsoft.com/office/drawing/2010/main" w="9525">
                   <a:solidFill>
                     <a:srgbClr val="000000"/>
                   </a:solidFill>
@@ -1766,7 +1766,7 @@
             </a:ln>
             <a:extLst>
               <a:ext uri="{91240B29-F687-4f45-9708-019B960494DF}">
-                <a14:hiddenLine xmlns:a14="http://schemas.microsoft.com/office/drawing/2010/main" xmlns="" w="9525">
+                <a14:hiddenLine xmlns="" xmlns:a14="http://schemas.microsoft.com/office/drawing/2010/main" w="9525">
                   <a:solidFill>
                     <a:srgbClr val="000000"/>
                   </a:solidFill>
@@ -1828,7 +1828,7 @@
             </a:ln>
             <a:extLst>
               <a:ext uri="{91240B29-F687-4f45-9708-019B960494DF}">
-                <a14:hiddenLine xmlns:a14="http://schemas.microsoft.com/office/drawing/2010/main" xmlns="" w="9525">
+                <a14:hiddenLine xmlns="" xmlns:a14="http://schemas.microsoft.com/office/drawing/2010/main" w="9525">
                   <a:solidFill>
                     <a:srgbClr val="000000"/>
                   </a:solidFill>
@@ -1918,7 +1918,7 @@
             </a:ln>
             <a:extLst>
               <a:ext uri="{91240B29-F687-4f45-9708-019B960494DF}">
-                <a14:hiddenLine xmlns:a14="http://schemas.microsoft.com/office/drawing/2010/main" xmlns="" w="9525">
+                <a14:hiddenLine xmlns="" xmlns:a14="http://schemas.microsoft.com/office/drawing/2010/main" w="9525">
                   <a:solidFill>
                     <a:srgbClr val="000000"/>
                   </a:solidFill>
@@ -2008,7 +2008,7 @@
             </a:ln>
             <a:extLst>
               <a:ext uri="{91240B29-F687-4f45-9708-019B960494DF}">
-                <a14:hiddenLine xmlns:a14="http://schemas.microsoft.com/office/drawing/2010/main" xmlns="" w="9525">
+                <a14:hiddenLine xmlns="" xmlns:a14="http://schemas.microsoft.com/office/drawing/2010/main" w="9525">
                   <a:solidFill>
                     <a:srgbClr val="000000"/>
                   </a:solidFill>
@@ -2070,7 +2070,7 @@
             </a:ln>
             <a:extLst>
               <a:ext uri="{91240B29-F687-4f45-9708-019B960494DF}">
-                <a14:hiddenLine xmlns:a14="http://schemas.microsoft.com/office/drawing/2010/main" xmlns="" w="9525">
+                <a14:hiddenLine xmlns="" xmlns:a14="http://schemas.microsoft.com/office/drawing/2010/main" w="9525">
                   <a:solidFill>
                     <a:srgbClr val="000000"/>
                   </a:solidFill>
@@ -2160,7 +2160,7 @@
             </a:ln>
             <a:extLst>
               <a:ext uri="{91240B29-F687-4f45-9708-019B960494DF}">
-                <a14:hiddenLine xmlns:a14="http://schemas.microsoft.com/office/drawing/2010/main" xmlns="" w="9525">
+                <a14:hiddenLine xmlns="" xmlns:a14="http://schemas.microsoft.com/office/drawing/2010/main" w="9525">
                   <a:solidFill>
                     <a:srgbClr val="000000"/>
                   </a:solidFill>
@@ -2250,7 +2250,7 @@
             </a:ln>
             <a:extLst>
               <a:ext uri="{91240B29-F687-4f45-9708-019B960494DF}">
-                <a14:hiddenLine xmlns:a14="http://schemas.microsoft.com/office/drawing/2010/main" xmlns="" w="9525">
+                <a14:hiddenLine xmlns="" xmlns:a14="http://schemas.microsoft.com/office/drawing/2010/main" w="9525">
                   <a:solidFill>
                     <a:srgbClr val="000000"/>
                   </a:solidFill>
@@ -2306,7 +2306,7 @@
             </a:ln>
             <a:extLst>
               <a:ext uri="{91240B29-F687-4f45-9708-019B960494DF}">
-                <a14:hiddenLine xmlns:a14="http://schemas.microsoft.com/office/drawing/2010/main" xmlns="" w="9525">
+                <a14:hiddenLine xmlns="" xmlns:a14="http://schemas.microsoft.com/office/drawing/2010/main" w="9525">
                   <a:solidFill>
                     <a:srgbClr val="000000"/>
                   </a:solidFill>
@@ -2396,7 +2396,7 @@
             </a:ln>
             <a:extLst>
               <a:ext uri="{91240B29-F687-4f45-9708-019B960494DF}">
-                <a14:hiddenLine xmlns:a14="http://schemas.microsoft.com/office/drawing/2010/main" xmlns="" w="9525">
+                <a14:hiddenLine xmlns="" xmlns:a14="http://schemas.microsoft.com/office/drawing/2010/main" w="9525">
                   <a:solidFill>
                     <a:srgbClr val="000000"/>
                   </a:solidFill>
@@ -2452,7 +2452,7 @@
             </a:ln>
             <a:extLst>
               <a:ext uri="{91240B29-F687-4f45-9708-019B960494DF}">
-                <a14:hiddenLine xmlns:a14="http://schemas.microsoft.com/office/drawing/2010/main" xmlns="" w="9525">
+                <a14:hiddenLine xmlns="" xmlns:a14="http://schemas.microsoft.com/office/drawing/2010/main" w="9525">
                   <a:solidFill>
                     <a:srgbClr val="000000"/>
                   </a:solidFill>
@@ -2542,7 +2542,7 @@
             </a:ln>
             <a:extLst>
               <a:ext uri="{91240B29-F687-4f45-9708-019B960494DF}">
-                <a14:hiddenLine xmlns:a14="http://schemas.microsoft.com/office/drawing/2010/main" xmlns="" w="9525">
+                <a14:hiddenLine xmlns="" xmlns:a14="http://schemas.microsoft.com/office/drawing/2010/main" w="9525">
                   <a:solidFill>
                     <a:srgbClr val="000000"/>
                   </a:solidFill>
@@ -2610,7 +2610,7 @@
             </a:ln>
             <a:extLst>
               <a:ext uri="{91240B29-F687-4f45-9708-019B960494DF}">
-                <a14:hiddenLine xmlns:a14="http://schemas.microsoft.com/office/drawing/2010/main" xmlns="" w="9525">
+                <a14:hiddenLine xmlns="" xmlns:a14="http://schemas.microsoft.com/office/drawing/2010/main" w="9525">
                   <a:solidFill>
                     <a:srgbClr val="000000"/>
                   </a:solidFill>
@@ -2700,7 +2700,7 @@
             </a:ln>
             <a:extLst>
               <a:ext uri="{91240B29-F687-4f45-9708-019B960494DF}">
-                <a14:hiddenLine xmlns:a14="http://schemas.microsoft.com/office/drawing/2010/main" xmlns="" w="9525">
+                <a14:hiddenLine xmlns="" xmlns:a14="http://schemas.microsoft.com/office/drawing/2010/main" w="9525">
                   <a:solidFill>
                     <a:srgbClr val="000000"/>
                   </a:solidFill>
@@ -2768,7 +2768,7 @@
             </a:ln>
             <a:extLst>
               <a:ext uri="{91240B29-F687-4f45-9708-019B960494DF}">
-                <a14:hiddenLine xmlns:a14="http://schemas.microsoft.com/office/drawing/2010/main" xmlns="" w="9525">
+                <a14:hiddenLine xmlns="" xmlns:a14="http://schemas.microsoft.com/office/drawing/2010/main" w="9525">
                   <a:solidFill>
                     <a:srgbClr val="000000"/>
                   </a:solidFill>
@@ -2858,7 +2858,7 @@
             </a:ln>
             <a:extLst>
               <a:ext uri="{91240B29-F687-4f45-9708-019B960494DF}">
-                <a14:hiddenLine xmlns:a14="http://schemas.microsoft.com/office/drawing/2010/main" xmlns="" w="9525">
+                <a14:hiddenLine xmlns="" xmlns:a14="http://schemas.microsoft.com/office/drawing/2010/main" w="9525">
                   <a:solidFill>
                     <a:srgbClr val="000000"/>
                   </a:solidFill>
@@ -2892,7 +2892,7 @@
             </a:ln>
             <a:extLst>
               <a:ext uri="{91240B29-F687-4f45-9708-019B960494DF}">
-                <a14:hiddenLine xmlns:a14="http://schemas.microsoft.com/office/drawing/2010/main" xmlns="" w="9525">
+                <a14:hiddenLine xmlns="" xmlns:a14="http://schemas.microsoft.com/office/drawing/2010/main" w="9525">
                   <a:solidFill>
                     <a:srgbClr val="000000"/>
                   </a:solidFill>
@@ -2982,7 +2982,7 @@
             </a:ln>
             <a:extLst>
               <a:ext uri="{91240B29-F687-4f45-9708-019B960494DF}">
-                <a14:hiddenLine xmlns:a14="http://schemas.microsoft.com/office/drawing/2010/main" xmlns="" w="9525">
+                <a14:hiddenLine xmlns="" xmlns:a14="http://schemas.microsoft.com/office/drawing/2010/main" w="9525">
                   <a:solidFill>
                     <a:srgbClr val="000000"/>
                   </a:solidFill>
@@ -3044,7 +3044,7 @@
             </a:ln>
             <a:extLst>
               <a:ext uri="{91240B29-F687-4f45-9708-019B960494DF}">
-                <a14:hiddenLine xmlns:a14="http://schemas.microsoft.com/office/drawing/2010/main" xmlns="" w="9525">
+                <a14:hiddenLine xmlns="" xmlns:a14="http://schemas.microsoft.com/office/drawing/2010/main" w="9525">
                   <a:solidFill>
                     <a:srgbClr val="000000"/>
                   </a:solidFill>
@@ -3106,7 +3106,7 @@
             </a:ln>
             <a:extLst>
               <a:ext uri="{91240B29-F687-4f45-9708-019B960494DF}">
-                <a14:hiddenLine xmlns:a14="http://schemas.microsoft.com/office/drawing/2010/main" xmlns="" w="9525">
+                <a14:hiddenLine xmlns="" xmlns:a14="http://schemas.microsoft.com/office/drawing/2010/main" w="9525">
                   <a:solidFill>
                     <a:srgbClr val="000000"/>
                   </a:solidFill>
@@ -3196,7 +3196,7 @@
             </a:ln>
             <a:extLst>
               <a:ext uri="{91240B29-F687-4f45-9708-019B960494DF}">
-                <a14:hiddenLine xmlns:a14="http://schemas.microsoft.com/office/drawing/2010/main" xmlns="" w="9525">
+                <a14:hiddenLine xmlns="" xmlns:a14="http://schemas.microsoft.com/office/drawing/2010/main" w="9525">
                   <a:solidFill>
                     <a:srgbClr val="000000"/>
                   </a:solidFill>
@@ -3264,7 +3264,7 @@
             </a:ln>
             <a:extLst>
               <a:ext uri="{91240B29-F687-4f45-9708-019B960494DF}">
-                <a14:hiddenLine xmlns:a14="http://schemas.microsoft.com/office/drawing/2010/main" xmlns="" w="9525">
+                <a14:hiddenLine xmlns="" xmlns:a14="http://schemas.microsoft.com/office/drawing/2010/main" w="9525">
                   <a:solidFill>
                     <a:srgbClr val="000000"/>
                   </a:solidFill>
@@ -3326,7 +3326,7 @@
             </a:ln>
             <a:extLst>
               <a:ext uri="{91240B29-F687-4f45-9708-019B960494DF}">
-                <a14:hiddenLine xmlns:a14="http://schemas.microsoft.com/office/drawing/2010/main" xmlns="" w="9525">
+                <a14:hiddenLine xmlns="" xmlns:a14="http://schemas.microsoft.com/office/drawing/2010/main" w="9525">
                   <a:solidFill>
                     <a:srgbClr val="000000"/>
                   </a:solidFill>
@@ -3416,7 +3416,7 @@
             </a:ln>
             <a:extLst>
               <a:ext uri="{91240B29-F687-4f45-9708-019B960494DF}">
-                <a14:hiddenLine xmlns:a14="http://schemas.microsoft.com/office/drawing/2010/main" xmlns="" w="9525">
+                <a14:hiddenLine xmlns="" xmlns:a14="http://schemas.microsoft.com/office/drawing/2010/main" w="9525">
                   <a:solidFill>
                     <a:srgbClr val="000000"/>
                   </a:solidFill>
@@ -3478,7 +3478,7 @@
             </a:ln>
             <a:extLst>
               <a:ext uri="{91240B29-F687-4f45-9708-019B960494DF}">
-                <a14:hiddenLine xmlns:a14="http://schemas.microsoft.com/office/drawing/2010/main" xmlns="" w="9525">
+                <a14:hiddenLine xmlns="" xmlns:a14="http://schemas.microsoft.com/office/drawing/2010/main" w="9525">
                   <a:solidFill>
                     <a:srgbClr val="000000"/>
                   </a:solidFill>
@@ -3568,7 +3568,7 @@
             </a:ln>
             <a:extLst>
               <a:ext uri="{91240B29-F687-4f45-9708-019B960494DF}">
-                <a14:hiddenLine xmlns:a14="http://schemas.microsoft.com/office/drawing/2010/main" xmlns="" w="9525">
+                <a14:hiddenLine xmlns="" xmlns:a14="http://schemas.microsoft.com/office/drawing/2010/main" w="9525">
                   <a:solidFill>
                     <a:srgbClr val="000000"/>
                   </a:solidFill>
@@ -3630,7 +3630,7 @@
             </a:ln>
             <a:extLst>
               <a:ext uri="{91240B29-F687-4f45-9708-019B960494DF}">
-                <a14:hiddenLine xmlns:a14="http://schemas.microsoft.com/office/drawing/2010/main" xmlns="" w="9525">
+                <a14:hiddenLine xmlns="" xmlns:a14="http://schemas.microsoft.com/office/drawing/2010/main" w="9525">
                   <a:solidFill>
                     <a:srgbClr val="000000"/>
                   </a:solidFill>
@@ -3720,7 +3720,7 @@
             </a:ln>
             <a:extLst>
               <a:ext uri="{91240B29-F687-4f45-9708-019B960494DF}">
-                <a14:hiddenLine xmlns:a14="http://schemas.microsoft.com/office/drawing/2010/main" xmlns="" w="9525">
+                <a14:hiddenLine xmlns="" xmlns:a14="http://schemas.microsoft.com/office/drawing/2010/main" w="9525">
                   <a:solidFill>
                     <a:srgbClr val="000000"/>
                   </a:solidFill>
@@ -3754,7 +3754,7 @@
             </a:ln>
             <a:extLst>
               <a:ext uri="{91240B29-F687-4f45-9708-019B960494DF}">
-                <a14:hiddenLine xmlns:a14="http://schemas.microsoft.com/office/drawing/2010/main" xmlns="" w="9525">
+                <a14:hiddenLine xmlns="" xmlns:a14="http://schemas.microsoft.com/office/drawing/2010/main" w="9525">
                   <a:solidFill>
                     <a:srgbClr val="000000"/>
                   </a:solidFill>
@@ -3819,7 +3819,7 @@
             </a:ln>
             <a:extLst>
               <a:ext uri="{91240B29-F687-4f45-9708-019B960494DF}">
-                <a14:hiddenLine xmlns:a14="http://schemas.microsoft.com/office/drawing/2010/main" xmlns="" w="9525">
+                <a14:hiddenLine xmlns="" xmlns:a14="http://schemas.microsoft.com/office/drawing/2010/main" w="9525">
                   <a:solidFill>
                     <a:srgbClr val="000000"/>
                   </a:solidFill>
@@ -3909,7 +3909,7 @@
             </a:ln>
             <a:extLst>
               <a:ext uri="{91240B29-F687-4f45-9708-019B960494DF}">
-                <a14:hiddenLine xmlns:a14="http://schemas.microsoft.com/office/drawing/2010/main" xmlns="" w="9525">
+                <a14:hiddenLine xmlns="" xmlns:a14="http://schemas.microsoft.com/office/drawing/2010/main" w="9525">
                   <a:solidFill>
                     <a:srgbClr val="000000"/>
                   </a:solidFill>
@@ -3971,7 +3971,7 @@
             </a:ln>
             <a:extLst>
               <a:ext uri="{91240B29-F687-4f45-9708-019B960494DF}">
-                <a14:hiddenLine xmlns:a14="http://schemas.microsoft.com/office/drawing/2010/main" xmlns="" w="9525">
+                <a14:hiddenLine xmlns="" xmlns:a14="http://schemas.microsoft.com/office/drawing/2010/main" w="9525">
                   <a:solidFill>
                     <a:srgbClr val="000000"/>
                   </a:solidFill>
@@ -4061,7 +4061,7 @@
             </a:ln>
             <a:extLst>
               <a:ext uri="{91240B29-F687-4f45-9708-019B960494DF}">
-                <a14:hiddenLine xmlns:a14="http://schemas.microsoft.com/office/drawing/2010/main" xmlns="" w="9525">
+                <a14:hiddenLine xmlns="" xmlns:a14="http://schemas.microsoft.com/office/drawing/2010/main" w="9525">
                   <a:solidFill>
                     <a:srgbClr val="000000"/>
                   </a:solidFill>
@@ -4151,7 +4151,7 @@
             </a:ln>
             <a:extLst>
               <a:ext uri="{91240B29-F687-4f45-9708-019B960494DF}">
-                <a14:hiddenLine xmlns:a14="http://schemas.microsoft.com/office/drawing/2010/main" xmlns="" w="9525">
+                <a14:hiddenLine xmlns="" xmlns:a14="http://schemas.microsoft.com/office/drawing/2010/main" w="9525">
                   <a:solidFill>
                     <a:srgbClr val="000000"/>
                   </a:solidFill>
@@ -4216,7 +4216,7 @@
             </a:ln>
             <a:extLst>
               <a:ext uri="{91240B29-F687-4f45-9708-019B960494DF}">
-                <a14:hiddenLine xmlns:a14="http://schemas.microsoft.com/office/drawing/2010/main" xmlns="" w="9525">
+                <a14:hiddenLine xmlns="" xmlns:a14="http://schemas.microsoft.com/office/drawing/2010/main" w="9525">
                   <a:solidFill>
                     <a:srgbClr val="000000"/>
                   </a:solidFill>
@@ -4278,7 +4278,7 @@
             </a:ln>
             <a:extLst>
               <a:ext uri="{91240B29-F687-4f45-9708-019B960494DF}">
-                <a14:hiddenLine xmlns:a14="http://schemas.microsoft.com/office/drawing/2010/main" xmlns="" w="9525">
+                <a14:hiddenLine xmlns="" xmlns:a14="http://schemas.microsoft.com/office/drawing/2010/main" w="9525">
                   <a:solidFill>
                     <a:srgbClr val="000000"/>
                   </a:solidFill>
@@ -4368,7 +4368,7 @@
             </a:ln>
             <a:extLst>
               <a:ext uri="{91240B29-F687-4f45-9708-019B960494DF}">
-                <a14:hiddenLine xmlns:a14="http://schemas.microsoft.com/office/drawing/2010/main" xmlns="" w="9525">
+                <a14:hiddenLine xmlns="" xmlns:a14="http://schemas.microsoft.com/office/drawing/2010/main" w="9525">
                   <a:solidFill>
                     <a:srgbClr val="000000"/>
                   </a:solidFill>
@@ -4458,7 +4458,7 @@
             </a:ln>
             <a:extLst>
               <a:ext uri="{91240B29-F687-4f45-9708-019B960494DF}">
-                <a14:hiddenLine xmlns:a14="http://schemas.microsoft.com/office/drawing/2010/main" xmlns="" w="9525">
+                <a14:hiddenLine xmlns="" xmlns:a14="http://schemas.microsoft.com/office/drawing/2010/main" w="9525">
                   <a:solidFill>
                     <a:srgbClr val="000000"/>
                   </a:solidFill>
@@ -4520,7 +4520,7 @@
             </a:ln>
             <a:extLst>
               <a:ext uri="{91240B29-F687-4f45-9708-019B960494DF}">
-                <a14:hiddenLine xmlns:a14="http://schemas.microsoft.com/office/drawing/2010/main" xmlns="" w="9525">
+                <a14:hiddenLine xmlns="" xmlns:a14="http://schemas.microsoft.com/office/drawing/2010/main" w="9525">
                   <a:solidFill>
                     <a:srgbClr val="000000"/>
                   </a:solidFill>
@@ -4640,7 +4640,7 @@
             </a:ln>
             <a:extLst>
               <a:ext uri="{91240B29-F687-4f45-9708-019B960494DF}">
-                <a14:hiddenLine xmlns:a14="http://schemas.microsoft.com/office/drawing/2010/main" xmlns="" w="9525">
+                <a14:hiddenLine xmlns="" xmlns:a14="http://schemas.microsoft.com/office/drawing/2010/main" w="9525">
                   <a:solidFill>
                     <a:srgbClr val="000000"/>
                   </a:solidFill>
@@ -4708,7 +4708,7 @@
             </a:ln>
             <a:extLst>
               <a:ext uri="{91240B29-F687-4f45-9708-019B960494DF}">
-                <a14:hiddenLine xmlns:a14="http://schemas.microsoft.com/office/drawing/2010/main" xmlns="" w="9525">
+                <a14:hiddenLine xmlns="" xmlns:a14="http://schemas.microsoft.com/office/drawing/2010/main" w="9525">
                   <a:solidFill>
                     <a:srgbClr val="000000"/>
                   </a:solidFill>
@@ -4798,7 +4798,7 @@
             </a:ln>
             <a:extLst>
               <a:ext uri="{91240B29-F687-4f45-9708-019B960494DF}">
-                <a14:hiddenLine xmlns:a14="http://schemas.microsoft.com/office/drawing/2010/main" xmlns="" w="9525">
+                <a14:hiddenLine xmlns="" xmlns:a14="http://schemas.microsoft.com/office/drawing/2010/main" w="9525">
                   <a:solidFill>
                     <a:srgbClr val="000000"/>
                   </a:solidFill>
@@ -16953,7 +16953,7 @@
           <a:noFill/>
           <a:extLst>
             <a:ext uri="{909E8E84-426E-40dd-AFC4-6F175D3DCCD1}">
-              <a14:hiddenFill xmlns:a14="http://schemas.microsoft.com/office/drawing/2010/main" xmlns="">
+              <a14:hiddenFill xmlns="" xmlns:a14="http://schemas.microsoft.com/office/drawing/2010/main">
                 <a:solidFill>
                   <a:srgbClr val="FFFFFF"/>
                 </a:solidFill>
@@ -17027,7 +17027,7 @@
               </a:ln>
               <a:extLst>
                 <a:ext uri="{91240B29-F687-4f45-9708-019B960494DF}">
-                  <a14:hiddenLine xmlns:a14="http://schemas.microsoft.com/office/drawing/2010/main" xmlns="" w="9525">
+                  <a14:hiddenLine xmlns="" xmlns:a14="http://schemas.microsoft.com/office/drawing/2010/main" w="9525">
                     <a:solidFill>
                       <a:srgbClr val="000000"/>
                     </a:solidFill>
@@ -17117,7 +17117,7 @@
               </a:ln>
               <a:extLst>
                 <a:ext uri="{91240B29-F687-4f45-9708-019B960494DF}">
-                  <a14:hiddenLine xmlns:a14="http://schemas.microsoft.com/office/drawing/2010/main" xmlns="" w="9525">
+                  <a14:hiddenLine xmlns="" xmlns:a14="http://schemas.microsoft.com/office/drawing/2010/main" w="9525">
                     <a:solidFill>
                       <a:srgbClr val="000000"/>
                     </a:solidFill>
@@ -17207,7 +17207,7 @@
               </a:ln>
               <a:extLst>
                 <a:ext uri="{91240B29-F687-4f45-9708-019B960494DF}">
-                  <a14:hiddenLine xmlns:a14="http://schemas.microsoft.com/office/drawing/2010/main" xmlns="" w="9525">
+                  <a14:hiddenLine xmlns="" xmlns:a14="http://schemas.microsoft.com/office/drawing/2010/main" w="9525">
                     <a:solidFill>
                       <a:srgbClr val="000000"/>
                     </a:solidFill>
@@ -17269,7 +17269,7 @@
               </a:ln>
               <a:extLst>
                 <a:ext uri="{91240B29-F687-4f45-9708-019B960494DF}">
-                  <a14:hiddenLine xmlns:a14="http://schemas.microsoft.com/office/drawing/2010/main" xmlns="" w="9525">
+                  <a14:hiddenLine xmlns="" xmlns:a14="http://schemas.microsoft.com/office/drawing/2010/main" w="9525">
                     <a:solidFill>
                       <a:srgbClr val="000000"/>
                     </a:solidFill>
@@ -17359,7 +17359,7 @@
               </a:ln>
               <a:extLst>
                 <a:ext uri="{91240B29-F687-4f45-9708-019B960494DF}">
-                  <a14:hiddenLine xmlns:a14="http://schemas.microsoft.com/office/drawing/2010/main" xmlns="" w="9525">
+                  <a14:hiddenLine xmlns="" xmlns:a14="http://schemas.microsoft.com/office/drawing/2010/main" w="9525">
                     <a:solidFill>
                       <a:srgbClr val="000000"/>
                     </a:solidFill>
@@ -17421,7 +17421,7 @@
               </a:ln>
               <a:extLst>
                 <a:ext uri="{91240B29-F687-4f45-9708-019B960494DF}">
-                  <a14:hiddenLine xmlns:a14="http://schemas.microsoft.com/office/drawing/2010/main" xmlns="" w="9525">
+                  <a14:hiddenLine xmlns="" xmlns:a14="http://schemas.microsoft.com/office/drawing/2010/main" w="9525">
                     <a:solidFill>
                       <a:srgbClr val="000000"/>
                     </a:solidFill>
@@ -17483,7 +17483,7 @@
               </a:ln>
               <a:extLst>
                 <a:ext uri="{91240B29-F687-4f45-9708-019B960494DF}">
-                  <a14:hiddenLine xmlns:a14="http://schemas.microsoft.com/office/drawing/2010/main" xmlns="" w="9525">
+                  <a14:hiddenLine xmlns="" xmlns:a14="http://schemas.microsoft.com/office/drawing/2010/main" w="9525">
                     <a:solidFill>
                       <a:srgbClr val="000000"/>
                     </a:solidFill>
@@ -17573,7 +17573,7 @@
               </a:ln>
               <a:extLst>
                 <a:ext uri="{91240B29-F687-4f45-9708-019B960494DF}">
-                  <a14:hiddenLine xmlns:a14="http://schemas.microsoft.com/office/drawing/2010/main" xmlns="" w="9525">
+                  <a14:hiddenLine xmlns="" xmlns:a14="http://schemas.microsoft.com/office/drawing/2010/main" w="9525">
                     <a:solidFill>
                       <a:srgbClr val="000000"/>
                     </a:solidFill>
@@ -17663,7 +17663,7 @@
               </a:ln>
               <a:extLst>
                 <a:ext uri="{91240B29-F687-4f45-9708-019B960494DF}">
-                  <a14:hiddenLine xmlns:a14="http://schemas.microsoft.com/office/drawing/2010/main" xmlns="" w="9525">
+                  <a14:hiddenLine xmlns="" xmlns:a14="http://schemas.microsoft.com/office/drawing/2010/main" w="9525">
                     <a:solidFill>
                       <a:srgbClr val="000000"/>
                     </a:solidFill>
@@ -17725,7 +17725,7 @@
               </a:ln>
               <a:extLst>
                 <a:ext uri="{91240B29-F687-4f45-9708-019B960494DF}">
-                  <a14:hiddenLine xmlns:a14="http://schemas.microsoft.com/office/drawing/2010/main" xmlns="" w="9525">
+                  <a14:hiddenLine xmlns="" xmlns:a14="http://schemas.microsoft.com/office/drawing/2010/main" w="9525">
                     <a:solidFill>
                       <a:srgbClr val="000000"/>
                     </a:solidFill>
@@ -17835,7 +17835,7 @@
               </a:ln>
               <a:extLst>
                 <a:ext uri="{91240B29-F687-4f45-9708-019B960494DF}">
-                  <a14:hiddenLine xmlns:a14="http://schemas.microsoft.com/office/drawing/2010/main" xmlns="" w="9525">
+                  <a14:hiddenLine xmlns="" xmlns:a14="http://schemas.microsoft.com/office/drawing/2010/main" w="9525">
                     <a:solidFill>
                       <a:srgbClr val="000000"/>
                     </a:solidFill>
@@ -17919,7 +17919,7 @@
               </a:ln>
               <a:extLst>
                 <a:ext uri="{91240B29-F687-4f45-9708-019B960494DF}">
-                  <a14:hiddenLine xmlns:a14="http://schemas.microsoft.com/office/drawing/2010/main" xmlns="" w="9525">
+                  <a14:hiddenLine xmlns="" xmlns:a14="http://schemas.microsoft.com/office/drawing/2010/main" w="9525">
                     <a:solidFill>
                       <a:srgbClr val="000000"/>
                     </a:solidFill>
@@ -17981,7 +17981,7 @@
               </a:ln>
               <a:extLst>
                 <a:ext uri="{91240B29-F687-4f45-9708-019B960494DF}">
-                  <a14:hiddenLine xmlns:a14="http://schemas.microsoft.com/office/drawing/2010/main" xmlns="" w="9525">
+                  <a14:hiddenLine xmlns="" xmlns:a14="http://schemas.microsoft.com/office/drawing/2010/main" w="9525">
                     <a:solidFill>
                       <a:srgbClr val="000000"/>
                     </a:solidFill>
@@ -18043,7 +18043,7 @@
               </a:ln>
               <a:extLst>
                 <a:ext uri="{91240B29-F687-4f45-9708-019B960494DF}">
-                  <a14:hiddenLine xmlns:a14="http://schemas.microsoft.com/office/drawing/2010/main" xmlns="" w="9525">
+                  <a14:hiddenLine xmlns="" xmlns:a14="http://schemas.microsoft.com/office/drawing/2010/main" w="9525">
                     <a:solidFill>
                       <a:srgbClr val="000000"/>
                     </a:solidFill>
@@ -18133,7 +18133,7 @@
               </a:ln>
               <a:extLst>
                 <a:ext uri="{91240B29-F687-4f45-9708-019B960494DF}">
-                  <a14:hiddenLine xmlns:a14="http://schemas.microsoft.com/office/drawing/2010/main" xmlns="" w="9525">
+                  <a14:hiddenLine xmlns="" xmlns:a14="http://schemas.microsoft.com/office/drawing/2010/main" w="9525">
                     <a:solidFill>
                       <a:srgbClr val="000000"/>
                     </a:solidFill>
@@ -18167,7 +18167,7 @@
               </a:ln>
               <a:extLst>
                 <a:ext uri="{91240B29-F687-4f45-9708-019B960494DF}">
-                  <a14:hiddenLine xmlns:a14="http://schemas.microsoft.com/office/drawing/2010/main" xmlns="" w="9525">
+                  <a14:hiddenLine xmlns="" xmlns:a14="http://schemas.microsoft.com/office/drawing/2010/main" w="9525">
                     <a:solidFill>
                       <a:srgbClr val="000000"/>
                     </a:solidFill>
@@ -18232,7 +18232,7 @@
               </a:ln>
               <a:extLst>
                 <a:ext uri="{91240B29-F687-4f45-9708-019B960494DF}">
-                  <a14:hiddenLine xmlns:a14="http://schemas.microsoft.com/office/drawing/2010/main" xmlns="" w="9525">
+                  <a14:hiddenLine xmlns="" xmlns:a14="http://schemas.microsoft.com/office/drawing/2010/main" w="9525">
                     <a:solidFill>
                       <a:srgbClr val="000000"/>
                     </a:solidFill>
@@ -18322,7 +18322,7 @@
               </a:ln>
               <a:extLst>
                 <a:ext uri="{91240B29-F687-4f45-9708-019B960494DF}">
-                  <a14:hiddenLine xmlns:a14="http://schemas.microsoft.com/office/drawing/2010/main" xmlns="" w="9525">
+                  <a14:hiddenLine xmlns="" xmlns:a14="http://schemas.microsoft.com/office/drawing/2010/main" w="9525">
                     <a:solidFill>
                       <a:srgbClr val="000000"/>
                     </a:solidFill>
@@ -18384,7 +18384,7 @@
               </a:ln>
               <a:extLst>
                 <a:ext uri="{91240B29-F687-4f45-9708-019B960494DF}">
-                  <a14:hiddenLine xmlns:a14="http://schemas.microsoft.com/office/drawing/2010/main" xmlns="" w="9525">
+                  <a14:hiddenLine xmlns="" xmlns:a14="http://schemas.microsoft.com/office/drawing/2010/main" w="9525">
                     <a:solidFill>
                       <a:srgbClr val="000000"/>
                     </a:solidFill>
@@ -18474,7 +18474,7 @@
               </a:ln>
               <a:extLst>
                 <a:ext uri="{91240B29-F687-4f45-9708-019B960494DF}">
-                  <a14:hiddenLine xmlns:a14="http://schemas.microsoft.com/office/drawing/2010/main" xmlns="" w="9525">
+                  <a14:hiddenLine xmlns="" xmlns:a14="http://schemas.microsoft.com/office/drawing/2010/main" w="9525">
                     <a:solidFill>
                       <a:srgbClr val="000000"/>
                     </a:solidFill>
@@ -18539,7 +18539,7 @@
               </a:ln>
               <a:extLst>
                 <a:ext uri="{91240B29-F687-4f45-9708-019B960494DF}">
-                  <a14:hiddenLine xmlns:a14="http://schemas.microsoft.com/office/drawing/2010/main" xmlns="" w="9525">
+                  <a14:hiddenLine xmlns="" xmlns:a14="http://schemas.microsoft.com/office/drawing/2010/main" w="9525">
                     <a:solidFill>
                       <a:srgbClr val="000000"/>
                     </a:solidFill>
@@ -18601,7 +18601,7 @@
               </a:ln>
               <a:extLst>
                 <a:ext uri="{91240B29-F687-4f45-9708-019B960494DF}">
-                  <a14:hiddenLine xmlns:a14="http://schemas.microsoft.com/office/drawing/2010/main" xmlns="" w="9525">
+                  <a14:hiddenLine xmlns="" xmlns:a14="http://schemas.microsoft.com/office/drawing/2010/main" w="9525">
                     <a:solidFill>
                       <a:srgbClr val="000000"/>
                     </a:solidFill>
@@ -18691,7 +18691,7 @@
               </a:ln>
               <a:extLst>
                 <a:ext uri="{91240B29-F687-4f45-9708-019B960494DF}">
-                  <a14:hiddenLine xmlns:a14="http://schemas.microsoft.com/office/drawing/2010/main" xmlns="" w="9525">
+                  <a14:hiddenLine xmlns="" xmlns:a14="http://schemas.microsoft.com/office/drawing/2010/main" w="9525">
                     <a:solidFill>
                       <a:srgbClr val="000000"/>
                     </a:solidFill>
@@ -18781,7 +18781,7 @@
               </a:ln>
               <a:extLst>
                 <a:ext uri="{91240B29-F687-4f45-9708-019B960494DF}">
-                  <a14:hiddenLine xmlns:a14="http://schemas.microsoft.com/office/drawing/2010/main" xmlns="" w="9525">
+                  <a14:hiddenLine xmlns="" xmlns:a14="http://schemas.microsoft.com/office/drawing/2010/main" w="9525">
                     <a:solidFill>
                       <a:srgbClr val="000000"/>
                     </a:solidFill>
@@ -18846,7 +18846,7 @@
               </a:ln>
               <a:extLst>
                 <a:ext uri="{91240B29-F687-4f45-9708-019B960494DF}">
-                  <a14:hiddenLine xmlns:a14="http://schemas.microsoft.com/office/drawing/2010/main" xmlns="" w="9525">
+                  <a14:hiddenLine xmlns="" xmlns:a14="http://schemas.microsoft.com/office/drawing/2010/main" w="9525">
                     <a:solidFill>
                       <a:srgbClr val="000000"/>
                     </a:solidFill>
@@ -18966,7 +18966,7 @@
               </a:ln>
               <a:extLst>
                 <a:ext uri="{91240B29-F687-4f45-9708-019B960494DF}">
-                  <a14:hiddenLine xmlns:a14="http://schemas.microsoft.com/office/drawing/2010/main" xmlns="" w="9525">
+                  <a14:hiddenLine xmlns="" xmlns:a14="http://schemas.microsoft.com/office/drawing/2010/main" w="9525">
                     <a:solidFill>
                       <a:srgbClr val="000000"/>
                     </a:solidFill>
@@ -19064,7 +19064,7 @@
               </a:ln>
               <a:extLst>
                 <a:ext uri="{91240B29-F687-4f45-9708-019B960494DF}">
-                  <a14:hiddenLine xmlns:a14="http://schemas.microsoft.com/office/drawing/2010/main" xmlns="" w="9525">
+                  <a14:hiddenLine xmlns="" xmlns:a14="http://schemas.microsoft.com/office/drawing/2010/main" w="9525">
                     <a:solidFill>
                       <a:srgbClr val="000000"/>
                     </a:solidFill>
@@ -19179,7 +19179,7 @@
               </a:ln>
               <a:extLst>
                 <a:ext uri="{91240B29-F687-4f45-9708-019B960494DF}">
-                  <a14:hiddenLine xmlns:a14="http://schemas.microsoft.com/office/drawing/2010/main" xmlns="" w="9525">
+                  <a14:hiddenLine xmlns="" xmlns:a14="http://schemas.microsoft.com/office/drawing/2010/main" w="9525">
                     <a:solidFill>
                       <a:srgbClr val="000000"/>
                     </a:solidFill>
@@ -19269,7 +19269,7 @@
               </a:ln>
               <a:extLst>
                 <a:ext uri="{91240B29-F687-4f45-9708-019B960494DF}">
-                  <a14:hiddenLine xmlns:a14="http://schemas.microsoft.com/office/drawing/2010/main" xmlns="" w="9525">
+                  <a14:hiddenLine xmlns="" xmlns:a14="http://schemas.microsoft.com/office/drawing/2010/main" w="9525">
                     <a:solidFill>
                       <a:srgbClr val="000000"/>
                     </a:solidFill>
@@ -19334,7 +19334,7 @@
               </a:ln>
               <a:extLst>
                 <a:ext uri="{91240B29-F687-4f45-9708-019B960494DF}">
-                  <a14:hiddenLine xmlns:a14="http://schemas.microsoft.com/office/drawing/2010/main" xmlns="" w="9525">
+                  <a14:hiddenLine xmlns="" xmlns:a14="http://schemas.microsoft.com/office/drawing/2010/main" w="9525">
                     <a:solidFill>
                       <a:srgbClr val="000000"/>
                     </a:solidFill>
@@ -19424,7 +19424,7 @@
               </a:ln>
               <a:extLst>
                 <a:ext uri="{91240B29-F687-4f45-9708-019B960494DF}">
-                  <a14:hiddenLine xmlns:a14="http://schemas.microsoft.com/office/drawing/2010/main" xmlns="" w="9525">
+                  <a14:hiddenLine xmlns="" xmlns:a14="http://schemas.microsoft.com/office/drawing/2010/main" w="9525">
                     <a:solidFill>
                       <a:srgbClr val="000000"/>
                     </a:solidFill>
@@ -19492,7 +19492,7 @@
               </a:ln>
               <a:extLst>
                 <a:ext uri="{91240B29-F687-4f45-9708-019B960494DF}">
-                  <a14:hiddenLine xmlns:a14="http://schemas.microsoft.com/office/drawing/2010/main" xmlns="" w="9525">
+                  <a14:hiddenLine xmlns="" xmlns:a14="http://schemas.microsoft.com/office/drawing/2010/main" w="9525">
                     <a:solidFill>
                       <a:srgbClr val="000000"/>
                     </a:solidFill>
@@ -19582,7 +19582,7 @@
               </a:ln>
               <a:extLst>
                 <a:ext uri="{91240B29-F687-4f45-9708-019B960494DF}">
-                  <a14:hiddenLine xmlns:a14="http://schemas.microsoft.com/office/drawing/2010/main" xmlns="" w="9525">
+                  <a14:hiddenLine xmlns="" xmlns:a14="http://schemas.microsoft.com/office/drawing/2010/main" w="9525">
                     <a:solidFill>
                       <a:srgbClr val="000000"/>
                     </a:solidFill>
@@ -19650,7 +19650,7 @@
               </a:ln>
               <a:extLst>
                 <a:ext uri="{91240B29-F687-4f45-9708-019B960494DF}">
-                  <a14:hiddenLine xmlns:a14="http://schemas.microsoft.com/office/drawing/2010/main" xmlns="" w="9525">
+                  <a14:hiddenLine xmlns="" xmlns:a14="http://schemas.microsoft.com/office/drawing/2010/main" w="9525">
                     <a:solidFill>
                       <a:srgbClr val="000000"/>
                     </a:solidFill>
@@ -19740,7 +19740,7 @@
               </a:ln>
               <a:extLst>
                 <a:ext uri="{91240B29-F687-4f45-9708-019B960494DF}">
-                  <a14:hiddenLine xmlns:a14="http://schemas.microsoft.com/office/drawing/2010/main" xmlns="" w="9525">
+                  <a14:hiddenLine xmlns="" xmlns:a14="http://schemas.microsoft.com/office/drawing/2010/main" w="9525">
                     <a:solidFill>
                       <a:srgbClr val="000000"/>
                     </a:solidFill>
@@ -19774,7 +19774,7 @@
               </a:ln>
               <a:extLst>
                 <a:ext uri="{91240B29-F687-4f45-9708-019B960494DF}">
-                  <a14:hiddenLine xmlns:a14="http://schemas.microsoft.com/office/drawing/2010/main" xmlns="" w="9525">
+                  <a14:hiddenLine xmlns="" xmlns:a14="http://schemas.microsoft.com/office/drawing/2010/main" w="9525">
                     <a:solidFill>
                       <a:srgbClr val="000000"/>
                     </a:solidFill>
@@ -21768,60 +21768,6 @@
       </p:sp>
       <p:sp>
         <p:nvSpPr>
-          <p:cNvPr id="21" name="Oval 20">
-            <a:extLst>
-              <a:ext uri="{FF2B5EF4-FFF2-40B4-BE49-F238E27FC236}">
-                <a16:creationId xmlns:a16="http://schemas.microsoft.com/office/drawing/2014/main" id="{258F2D3B-3B97-4C2F-87B6-AD2D33DC5D51}"/>
-              </a:ext>
-            </a:extLst>
-          </p:cNvPr>
-          <p:cNvSpPr/>
-          <p:nvPr/>
-        </p:nvSpPr>
-        <p:spPr>
-          <a:xfrm>
-            <a:off x="5549434" y="5540084"/>
-            <a:ext cx="757707" cy="515154"/>
-          </a:xfrm>
-          <a:prstGeom prst="ellipse">
-            <a:avLst/>
-          </a:prstGeom>
-          <a:ln>
-            <a:solidFill>
-              <a:schemeClr val="tx1">
-                <a:lumMod val="65000"/>
-              </a:schemeClr>
-            </a:solidFill>
-          </a:ln>
-        </p:spPr>
-        <p:style>
-          <a:lnRef idx="2">
-            <a:schemeClr val="accent1"/>
-          </a:lnRef>
-          <a:fillRef idx="1">
-            <a:schemeClr val="lt1"/>
-          </a:fillRef>
-          <a:effectRef idx="0">
-            <a:schemeClr val="accent1"/>
-          </a:effectRef>
-          <a:fontRef idx="minor">
-            <a:schemeClr val="dk1"/>
-          </a:fontRef>
-        </p:style>
-        <p:txBody>
-          <a:bodyPr rtlCol="0" anchor="ctr"/>
-          <a:lstStyle/>
-          <a:p>
-            <a:pPr algn="ctr"/>
-            <a:r>
-              <a:rPr lang="en-ID" dirty="0"/>
-              <a:t>Kc4</a:t>
-            </a:r>
-          </a:p>
-        </p:txBody>
-      </p:sp>
-      <p:sp>
-        <p:nvSpPr>
           <p:cNvPr id="22" name="Oval 21">
             <a:extLst>
               <a:ext uri="{FF2B5EF4-FFF2-40B4-BE49-F238E27FC236}">
@@ -22517,54 +22463,6 @@
       </p:cxnSp>
       <p:cxnSp>
         <p:nvCxnSpPr>
-          <p:cNvPr id="59" name="Straight Arrow Connector 58">
-            <a:extLst>
-              <a:ext uri="{FF2B5EF4-FFF2-40B4-BE49-F238E27FC236}">
-                <a16:creationId xmlns:a16="http://schemas.microsoft.com/office/drawing/2014/main" id="{181DB063-4A8C-4478-8160-A79241B43C02}"/>
-              </a:ext>
-            </a:extLst>
-          </p:cNvPr>
-          <p:cNvCxnSpPr>
-            <a:cxnSpLocks/>
-            <a:stCxn id="17" idx="6"/>
-            <a:endCxn id="21" idx="2"/>
-          </p:cNvCxnSpPr>
-          <p:nvPr/>
-        </p:nvCxnSpPr>
-        <p:spPr>
-          <a:xfrm>
-            <a:off x="4207873" y="5797661"/>
-            <a:ext cx="1341561" cy="0"/>
-          </a:xfrm>
-          <a:prstGeom prst="straightConnector1">
-            <a:avLst/>
-          </a:prstGeom>
-          <a:ln>
-            <a:solidFill>
-              <a:schemeClr val="tx1">
-                <a:lumMod val="65000"/>
-              </a:schemeClr>
-            </a:solidFill>
-            <a:tailEnd type="triangle"/>
-          </a:ln>
-        </p:spPr>
-        <p:style>
-          <a:lnRef idx="2">
-            <a:schemeClr val="accent1"/>
-          </a:lnRef>
-          <a:fillRef idx="1">
-            <a:schemeClr val="lt1"/>
-          </a:fillRef>
-          <a:effectRef idx="0">
-            <a:schemeClr val="accent1"/>
-          </a:effectRef>
-          <a:fontRef idx="minor">
-            <a:schemeClr val="dk1"/>
-          </a:fontRef>
-        </p:style>
-      </p:cxnSp>
-      <p:cxnSp>
-        <p:nvCxnSpPr>
           <p:cNvPr id="62" name="Straight Arrow Connector 61">
             <a:extLst>
               <a:ext uri="{FF2B5EF4-FFF2-40B4-BE49-F238E27FC236}">
@@ -22661,54 +22559,6 @@
       </p:cxnSp>
       <p:cxnSp>
         <p:nvCxnSpPr>
-          <p:cNvPr id="68" name="Straight Arrow Connector 67">
-            <a:extLst>
-              <a:ext uri="{FF2B5EF4-FFF2-40B4-BE49-F238E27FC236}">
-                <a16:creationId xmlns:a16="http://schemas.microsoft.com/office/drawing/2014/main" id="{8C9B3591-07CB-4FF9-B28E-8CDC66AF5A1A}"/>
-              </a:ext>
-            </a:extLst>
-          </p:cNvPr>
-          <p:cNvCxnSpPr>
-            <a:cxnSpLocks/>
-            <a:stCxn id="11" idx="6"/>
-            <a:endCxn id="21" idx="2"/>
-          </p:cNvCxnSpPr>
-          <p:nvPr/>
-        </p:nvCxnSpPr>
-        <p:spPr>
-          <a:xfrm>
-            <a:off x="4210024" y="3822365"/>
-            <a:ext cx="1339410" cy="1975296"/>
-          </a:xfrm>
-          <a:prstGeom prst="straightConnector1">
-            <a:avLst/>
-          </a:prstGeom>
-          <a:ln>
-            <a:solidFill>
-              <a:schemeClr val="tx1">
-                <a:lumMod val="65000"/>
-              </a:schemeClr>
-            </a:solidFill>
-            <a:tailEnd type="triangle"/>
-          </a:ln>
-        </p:spPr>
-        <p:style>
-          <a:lnRef idx="2">
-            <a:schemeClr val="accent1"/>
-          </a:lnRef>
-          <a:fillRef idx="1">
-            <a:schemeClr val="lt1"/>
-          </a:fillRef>
-          <a:effectRef idx="0">
-            <a:schemeClr val="accent1"/>
-          </a:effectRef>
-          <a:fontRef idx="minor">
-            <a:schemeClr val="dk1"/>
-          </a:fontRef>
-        </p:style>
-      </p:cxnSp>
-      <p:cxnSp>
-        <p:nvCxnSpPr>
           <p:cNvPr id="71" name="Straight Arrow Connector 70">
             <a:extLst>
               <a:ext uri="{FF2B5EF4-FFF2-40B4-BE49-F238E27FC236}">
@@ -22727,54 +22577,6 @@
           <a:xfrm flipV="1">
             <a:off x="4207875" y="3822365"/>
             <a:ext cx="1341559" cy="658432"/>
-          </a:xfrm>
-          <a:prstGeom prst="straightConnector1">
-            <a:avLst/>
-          </a:prstGeom>
-          <a:ln>
-            <a:solidFill>
-              <a:schemeClr val="tx1">
-                <a:lumMod val="65000"/>
-              </a:schemeClr>
-            </a:solidFill>
-            <a:tailEnd type="triangle"/>
-          </a:ln>
-        </p:spPr>
-        <p:style>
-          <a:lnRef idx="2">
-            <a:schemeClr val="accent1"/>
-          </a:lnRef>
-          <a:fillRef idx="1">
-            <a:schemeClr val="lt1"/>
-          </a:fillRef>
-          <a:effectRef idx="0">
-            <a:schemeClr val="accent1"/>
-          </a:effectRef>
-          <a:fontRef idx="minor">
-            <a:schemeClr val="dk1"/>
-          </a:fontRef>
-        </p:style>
-      </p:cxnSp>
-      <p:cxnSp>
-        <p:nvCxnSpPr>
-          <p:cNvPr id="74" name="Straight Arrow Connector 73">
-            <a:extLst>
-              <a:ext uri="{FF2B5EF4-FFF2-40B4-BE49-F238E27FC236}">
-                <a16:creationId xmlns:a16="http://schemas.microsoft.com/office/drawing/2014/main" id="{01FAFD54-2B4B-41E7-A0C2-7627B713FAB1}"/>
-              </a:ext>
-            </a:extLst>
-          </p:cNvPr>
-          <p:cNvCxnSpPr>
-            <a:cxnSpLocks/>
-            <a:stCxn id="15" idx="6"/>
-            <a:endCxn id="21" idx="2"/>
-          </p:cNvCxnSpPr>
-          <p:nvPr/>
-        </p:nvCxnSpPr>
-        <p:spPr>
-          <a:xfrm>
-            <a:off x="4207875" y="4480797"/>
-            <a:ext cx="1341559" cy="1316864"/>
           </a:xfrm>
           <a:prstGeom prst="straightConnector1">
             <a:avLst/>
@@ -22949,54 +22751,6 @@
       </p:cxnSp>
       <p:cxnSp>
         <p:nvCxnSpPr>
-          <p:cNvPr id="86" name="Straight Arrow Connector 85">
-            <a:extLst>
-              <a:ext uri="{FF2B5EF4-FFF2-40B4-BE49-F238E27FC236}">
-                <a16:creationId xmlns:a16="http://schemas.microsoft.com/office/drawing/2014/main" id="{A11E84D2-296C-4BAC-AF5D-603F441D3E3C}"/>
-              </a:ext>
-            </a:extLst>
-          </p:cNvPr>
-          <p:cNvCxnSpPr>
-            <a:cxnSpLocks/>
-            <a:stCxn id="16" idx="6"/>
-            <a:endCxn id="21" idx="2"/>
-          </p:cNvCxnSpPr>
-          <p:nvPr/>
-        </p:nvCxnSpPr>
-        <p:spPr>
-          <a:xfrm>
-            <a:off x="4207874" y="5139229"/>
-            <a:ext cx="1341560" cy="658432"/>
-          </a:xfrm>
-          <a:prstGeom prst="straightConnector1">
-            <a:avLst/>
-          </a:prstGeom>
-          <a:ln>
-            <a:solidFill>
-              <a:schemeClr val="tx1">
-                <a:lumMod val="65000"/>
-              </a:schemeClr>
-            </a:solidFill>
-            <a:tailEnd type="triangle"/>
-          </a:ln>
-        </p:spPr>
-        <p:style>
-          <a:lnRef idx="2">
-            <a:schemeClr val="accent1"/>
-          </a:lnRef>
-          <a:fillRef idx="1">
-            <a:schemeClr val="lt1"/>
-          </a:fillRef>
-          <a:effectRef idx="0">
-            <a:schemeClr val="accent1"/>
-          </a:effectRef>
-          <a:fontRef idx="minor">
-            <a:schemeClr val="dk1"/>
-          </a:fontRef>
-        </p:style>
-      </p:cxnSp>
-      <p:cxnSp>
-        <p:nvCxnSpPr>
           <p:cNvPr id="89" name="Straight Arrow Connector 88">
             <a:extLst>
               <a:ext uri="{FF2B5EF4-FFF2-40B4-BE49-F238E27FC236}">
@@ -23687,102 +23441,6 @@
           <a:xfrm flipV="1">
             <a:off x="6307141" y="3706455"/>
             <a:ext cx="1003208" cy="1432774"/>
-          </a:xfrm>
-          <a:prstGeom prst="straightConnector1">
-            <a:avLst/>
-          </a:prstGeom>
-          <a:ln>
-            <a:solidFill>
-              <a:schemeClr val="tx1">
-                <a:lumMod val="65000"/>
-              </a:schemeClr>
-            </a:solidFill>
-            <a:tailEnd type="triangle"/>
-          </a:ln>
-        </p:spPr>
-        <p:style>
-          <a:lnRef idx="2">
-            <a:schemeClr val="accent1"/>
-          </a:lnRef>
-          <a:fillRef idx="1">
-            <a:schemeClr val="lt1"/>
-          </a:fillRef>
-          <a:effectRef idx="0">
-            <a:schemeClr val="accent1"/>
-          </a:effectRef>
-          <a:fontRef idx="minor">
-            <a:schemeClr val="dk1"/>
-          </a:fontRef>
-        </p:style>
-      </p:cxnSp>
-      <p:cxnSp>
-        <p:nvCxnSpPr>
-          <p:cNvPr id="147" name="Straight Arrow Connector 146">
-            <a:extLst>
-              <a:ext uri="{FF2B5EF4-FFF2-40B4-BE49-F238E27FC236}">
-                <a16:creationId xmlns:a16="http://schemas.microsoft.com/office/drawing/2014/main" id="{000A463B-AB38-4D81-990F-4B9B310AEF18}"/>
-              </a:ext>
-            </a:extLst>
-          </p:cNvPr>
-          <p:cNvCxnSpPr>
-            <a:cxnSpLocks/>
-            <a:stCxn id="21" idx="6"/>
-            <a:endCxn id="22" idx="2"/>
-          </p:cNvCxnSpPr>
-          <p:nvPr/>
-        </p:nvCxnSpPr>
-        <p:spPr>
-          <a:xfrm flipV="1">
-            <a:off x="6307141" y="3073245"/>
-            <a:ext cx="1003208" cy="2724416"/>
-          </a:xfrm>
-          <a:prstGeom prst="straightConnector1">
-            <a:avLst/>
-          </a:prstGeom>
-          <a:ln>
-            <a:solidFill>
-              <a:schemeClr val="tx1">
-                <a:lumMod val="65000"/>
-              </a:schemeClr>
-            </a:solidFill>
-            <a:tailEnd type="triangle"/>
-          </a:ln>
-        </p:spPr>
-        <p:style>
-          <a:lnRef idx="2">
-            <a:schemeClr val="accent1"/>
-          </a:lnRef>
-          <a:fillRef idx="1">
-            <a:schemeClr val="lt1"/>
-          </a:fillRef>
-          <a:effectRef idx="0">
-            <a:schemeClr val="accent1"/>
-          </a:effectRef>
-          <a:fontRef idx="minor">
-            <a:schemeClr val="dk1"/>
-          </a:fontRef>
-        </p:style>
-      </p:cxnSp>
-      <p:cxnSp>
-        <p:nvCxnSpPr>
-          <p:cNvPr id="150" name="Straight Arrow Connector 149">
-            <a:extLst>
-              <a:ext uri="{FF2B5EF4-FFF2-40B4-BE49-F238E27FC236}">
-                <a16:creationId xmlns:a16="http://schemas.microsoft.com/office/drawing/2014/main" id="{5E9F5EB0-0076-444F-8538-EA26911C2BCC}"/>
-              </a:ext>
-            </a:extLst>
-          </p:cNvPr>
-          <p:cNvCxnSpPr>
-            <a:cxnSpLocks/>
-            <a:stCxn id="21" idx="6"/>
-            <a:endCxn id="26" idx="2"/>
-          </p:cNvCxnSpPr>
-          <p:nvPr/>
-        </p:nvCxnSpPr>
-        <p:spPr>
-          <a:xfrm flipV="1">
-            <a:off x="6307141" y="3706455"/>
-            <a:ext cx="1003208" cy="2091206"/>
           </a:xfrm>
           <a:prstGeom prst="straightConnector1">
             <a:avLst/>
@@ -36273,6 +35931,54 @@
           </a:p>
         </p:txBody>
       </p:sp>
+      <p:sp>
+        <p:nvSpPr>
+          <p:cNvPr id="115" name="Rectangle 114">
+            <a:extLst>
+              <a:ext uri="{FF2B5EF4-FFF2-40B4-BE49-F238E27FC236}">
+                <a16:creationId xmlns:a16="http://schemas.microsoft.com/office/drawing/2014/main" id="{F009B5C3-B45A-4262-8FBD-CF33FC1BB061}"/>
+              </a:ext>
+            </a:extLst>
+          </p:cNvPr>
+          <p:cNvSpPr/>
+          <p:nvPr/>
+        </p:nvSpPr>
+        <p:spPr>
+          <a:xfrm>
+            <a:off x="55003" y="417852"/>
+            <a:ext cx="1161148" cy="294483"/>
+          </a:xfrm>
+          <a:prstGeom prst="rect">
+            <a:avLst/>
+          </a:prstGeom>
+        </p:spPr>
+        <p:style>
+          <a:lnRef idx="2">
+            <a:schemeClr val="dk1"/>
+          </a:lnRef>
+          <a:fillRef idx="1">
+            <a:schemeClr val="lt1"/>
+          </a:fillRef>
+          <a:effectRef idx="0">
+            <a:schemeClr val="dk1"/>
+          </a:effectRef>
+          <a:fontRef idx="minor">
+            <a:schemeClr val="dk1"/>
+          </a:fontRef>
+        </p:style>
+        <p:txBody>
+          <a:bodyPr rtlCol="0" anchor="ctr"/>
+          <a:lstStyle/>
+          <a:p>
+            <a:pPr algn="ctr"/>
+            <a:r>
+              <a:rPr lang="en-ID" sz="1400" dirty="0" err="1"/>
+              <a:t>Kualitas</a:t>
+            </a:r>
+            <a:endParaRPr lang="en-GB" sz="1400" dirty="0"/>
+          </a:p>
+        </p:txBody>
+      </p:sp>
     </p:spTree>
     <p:extLst>
       <p:ext uri="{BB962C8B-B14F-4D97-AF65-F5344CB8AC3E}">
@@ -41599,6 +41305,54 @@
           </a:p>
         </p:txBody>
       </p:sp>
+      <p:sp>
+        <p:nvSpPr>
+          <p:cNvPr id="115" name="Rectangle 114">
+            <a:extLst>
+              <a:ext uri="{FF2B5EF4-FFF2-40B4-BE49-F238E27FC236}">
+                <a16:creationId xmlns:a16="http://schemas.microsoft.com/office/drawing/2014/main" id="{F009B5C3-B45A-4262-8FBD-CF33FC1BB061}"/>
+              </a:ext>
+            </a:extLst>
+          </p:cNvPr>
+          <p:cNvSpPr/>
+          <p:nvPr/>
+        </p:nvSpPr>
+        <p:spPr>
+          <a:xfrm>
+            <a:off x="55003" y="427791"/>
+            <a:ext cx="1161148" cy="294483"/>
+          </a:xfrm>
+          <a:prstGeom prst="rect">
+            <a:avLst/>
+          </a:prstGeom>
+        </p:spPr>
+        <p:style>
+          <a:lnRef idx="2">
+            <a:schemeClr val="dk1"/>
+          </a:lnRef>
+          <a:fillRef idx="1">
+            <a:schemeClr val="lt1"/>
+          </a:fillRef>
+          <a:effectRef idx="0">
+            <a:schemeClr val="dk1"/>
+          </a:effectRef>
+          <a:fontRef idx="minor">
+            <a:schemeClr val="dk1"/>
+          </a:fontRef>
+        </p:style>
+        <p:txBody>
+          <a:bodyPr rtlCol="0" anchor="ctr"/>
+          <a:lstStyle/>
+          <a:p>
+            <a:pPr algn="ctr"/>
+            <a:r>
+              <a:rPr lang="en-ID" sz="1400" dirty="0" err="1"/>
+              <a:t>Kualitas</a:t>
+            </a:r>
+            <a:endParaRPr lang="en-GB" sz="1400" dirty="0"/>
+          </a:p>
+        </p:txBody>
+      </p:sp>
     </p:spTree>
     <p:extLst>
       <p:ext uri="{BB962C8B-B14F-4D97-AF65-F5344CB8AC3E}">
@@ -46918,6 +46672,54 @@
           </a:p>
         </p:txBody>
       </p:sp>
+      <p:sp>
+        <p:nvSpPr>
+          <p:cNvPr id="115" name="Rectangle 114">
+            <a:extLst>
+              <a:ext uri="{FF2B5EF4-FFF2-40B4-BE49-F238E27FC236}">
+                <a16:creationId xmlns:a16="http://schemas.microsoft.com/office/drawing/2014/main" id="{F009B5C3-B45A-4262-8FBD-CF33FC1BB061}"/>
+              </a:ext>
+            </a:extLst>
+          </p:cNvPr>
+          <p:cNvSpPr/>
+          <p:nvPr/>
+        </p:nvSpPr>
+        <p:spPr>
+          <a:xfrm>
+            <a:off x="55003" y="417852"/>
+            <a:ext cx="1161148" cy="294483"/>
+          </a:xfrm>
+          <a:prstGeom prst="rect">
+            <a:avLst/>
+          </a:prstGeom>
+        </p:spPr>
+        <p:style>
+          <a:lnRef idx="2">
+            <a:schemeClr val="dk1"/>
+          </a:lnRef>
+          <a:fillRef idx="1">
+            <a:schemeClr val="lt1"/>
+          </a:fillRef>
+          <a:effectRef idx="0">
+            <a:schemeClr val="dk1"/>
+          </a:effectRef>
+          <a:fontRef idx="minor">
+            <a:schemeClr val="dk1"/>
+          </a:fontRef>
+        </p:style>
+        <p:txBody>
+          <a:bodyPr rtlCol="0" anchor="ctr"/>
+          <a:lstStyle/>
+          <a:p>
+            <a:pPr algn="ctr"/>
+            <a:r>
+              <a:rPr lang="en-ID" sz="1400" dirty="0" err="1"/>
+              <a:t>Kualitas</a:t>
+            </a:r>
+            <a:endParaRPr lang="en-GB" sz="1400" dirty="0"/>
+          </a:p>
+        </p:txBody>
+      </p:sp>
     </p:spTree>
     <p:extLst>
       <p:ext uri="{BB962C8B-B14F-4D97-AF65-F5344CB8AC3E}">
@@ -52234,6 +52036,54 @@
               <a:rPr lang="en-US" dirty="0"/>
               <a:t>link</a:t>
             </a:r>
+          </a:p>
+        </p:txBody>
+      </p:sp>
+      <p:sp>
+        <p:nvSpPr>
+          <p:cNvPr id="115" name="Rectangle 114">
+            <a:extLst>
+              <a:ext uri="{FF2B5EF4-FFF2-40B4-BE49-F238E27FC236}">
+                <a16:creationId xmlns:a16="http://schemas.microsoft.com/office/drawing/2014/main" id="{F009B5C3-B45A-4262-8FBD-CF33FC1BB061}"/>
+              </a:ext>
+            </a:extLst>
+          </p:cNvPr>
+          <p:cNvSpPr/>
+          <p:nvPr/>
+        </p:nvSpPr>
+        <p:spPr>
+          <a:xfrm>
+            <a:off x="55003" y="417852"/>
+            <a:ext cx="1161148" cy="294483"/>
+          </a:xfrm>
+          <a:prstGeom prst="rect">
+            <a:avLst/>
+          </a:prstGeom>
+        </p:spPr>
+        <p:style>
+          <a:lnRef idx="2">
+            <a:schemeClr val="dk1"/>
+          </a:lnRef>
+          <a:fillRef idx="1">
+            <a:schemeClr val="lt1"/>
+          </a:fillRef>
+          <a:effectRef idx="0">
+            <a:schemeClr val="dk1"/>
+          </a:effectRef>
+          <a:fontRef idx="minor">
+            <a:schemeClr val="dk1"/>
+          </a:fontRef>
+        </p:style>
+        <p:txBody>
+          <a:bodyPr rtlCol="0" anchor="ctr"/>
+          <a:lstStyle/>
+          <a:p>
+            <a:pPr algn="ctr"/>
+            <a:r>
+              <a:rPr lang="en-ID" sz="1400" dirty="0" err="1"/>
+              <a:t>Kualitas</a:t>
+            </a:r>
+            <a:endParaRPr lang="en-GB" sz="1400" dirty="0"/>
           </a:p>
         </p:txBody>
       </p:sp>
